--- a/Workshops/Workshop7.pptx
+++ b/Workshops/Workshop7.pptx
@@ -5,7 +5,7 @@
     <p:sldMasterId id="2147483648" r:id="rId1"/>
   </p:sldMasterIdLst>
   <p:notesMasterIdLst>
-    <p:NotesMasterId r:id="rId35"/>
+    <p:notesMasterId r:id="rId35"/>
   </p:notesMasterIdLst>
   <p:sldIdLst>
     <p:sldId id="256" r:id="rId2"/>
@@ -229,7 +229,7 @@
           <a:p>
             <a:fld id="{0F9C1CCF-B725-44A7-AA57-5E433BD85C9F}" type="datetimeFigureOut">
               <a:rPr lang="en-US" smtClean="0"/>
-              <a:t>2/17/2018</a:t>
+              <a:t>3/4/20</a:t>
             </a:fld>
             <a:endParaRPr lang="en-US"/>
           </a:p>
@@ -293,38 +293,37 @@
           <a:p>
             <a:pPr lvl="0"/>
             <a:r>
-              <a:rPr lang="en-US" smtClean="0"/>
+              <a:rPr lang="en-US"/>
               <a:t>Click to edit Master text styles</a:t>
             </a:r>
           </a:p>
           <a:p>
             <a:pPr lvl="1"/>
             <a:r>
-              <a:rPr lang="en-US" smtClean="0"/>
+              <a:rPr lang="en-US"/>
               <a:t>Second level</a:t>
             </a:r>
           </a:p>
           <a:p>
             <a:pPr lvl="2"/>
             <a:r>
-              <a:rPr lang="en-US" smtClean="0"/>
+              <a:rPr lang="en-US"/>
               <a:t>Third level</a:t>
             </a:r>
           </a:p>
           <a:p>
             <a:pPr lvl="3"/>
             <a:r>
-              <a:rPr lang="en-US" smtClean="0"/>
+              <a:rPr lang="en-US"/>
               <a:t>Fourth level</a:t>
             </a:r>
           </a:p>
           <a:p>
             <a:pPr lvl="4"/>
             <a:r>
-              <a:rPr lang="en-US" smtClean="0"/>
+              <a:rPr lang="en-US"/>
               <a:t>Fifth level</a:t>
             </a:r>
-            <a:endParaRPr lang="en-US"/>
           </a:p>
         </p:txBody>
       </p:sp>
@@ -541,100 +540,11 @@
           <a:bodyPr/>
           <a:lstStyle/>
           <a:p>
-            <a:pPr lvl="0" marL="0" indent="0">
+            <a:pPr marL="0" lvl="0" indent="0">
               <a:buNone/>
             </a:pPr>
             <a:r>
-              <a:rPr/>
-              <a:t>Try</a:t>
-            </a:r>
-            <a:r>
-              <a:rPr/>
-              <a:t> </a:t>
-            </a:r>
-            <a:r>
-              <a:rPr/>
-              <a:t>to</a:t>
-            </a:r>
-            <a:r>
-              <a:rPr/>
-              <a:t> </a:t>
-            </a:r>
-            <a:r>
-              <a:rPr/>
-              <a:t>teach</a:t>
-            </a:r>
-            <a:r>
-              <a:rPr/>
-              <a:t> </a:t>
-            </a:r>
-            <a:r>
-              <a:rPr/>
-              <a:t>a</a:t>
-            </a:r>
-            <a:r>
-              <a:rPr/>
-              <a:t> </a:t>
-            </a:r>
-            <a:r>
-              <a:rPr/>
-              <a:t>concepts</a:t>
-            </a:r>
-            <a:r>
-              <a:rPr/>
-              <a:t> </a:t>
-            </a:r>
-            <a:r>
-              <a:rPr/>
-              <a:t>then</a:t>
-            </a:r>
-            <a:r>
-              <a:rPr/>
-              <a:t> </a:t>
-            </a:r>
-            <a:r>
-              <a:rPr/>
-              <a:t>they</a:t>
-            </a:r>
-            <a:r>
-              <a:rPr/>
-              <a:t> </a:t>
-            </a:r>
-            <a:r>
-              <a:rPr/>
-              <a:t>can</a:t>
-            </a:r>
-            <a:r>
-              <a:rPr/>
-              <a:t> </a:t>
-            </a:r>
-            <a:r>
-              <a:rPr/>
-              <a:t>go</a:t>
-            </a:r>
-            <a:r>
-              <a:rPr/>
-              <a:t> </a:t>
-            </a:r>
-            <a:r>
-              <a:rPr/>
-              <a:t>home</a:t>
-            </a:r>
-            <a:r>
-              <a:rPr/>
-              <a:t> </a:t>
-            </a:r>
-            <a:r>
-              <a:rPr/>
-              <a:t>and</a:t>
-            </a:r>
-            <a:r>
-              <a:rPr/>
-              <a:t> </a:t>
-            </a:r>
-            <a:r>
-              <a:rPr/>
-              <a:t>practice.</a:t>
+              <a:t>Try to teach a concepts then they can go home and practice.</a:t>
             </a:r>
           </a:p>
         </p:txBody>
@@ -664,6 +574,9 @@
       </p:sp>
     </p:spTree>
   </p:cSld>
+  <p:clrMapOvr>
+    <a:masterClrMapping/>
+  </p:clrMapOvr>
 </p:notes>
 </file>
 
@@ -711,316 +624,11 @@
           <a:bodyPr/>
           <a:lstStyle/>
           <a:p>
-            <a:pPr lvl="0" marL="0" indent="0">
+            <a:pPr marL="0" lvl="0" indent="0">
               <a:buNone/>
             </a:pPr>
             <a:r>
-              <a:rPr/>
-              <a:t>If</a:t>
-            </a:r>
-            <a:r>
-              <a:rPr/>
-              <a:t> </a:t>
-            </a:r>
-            <a:r>
-              <a:rPr/>
-              <a:t>I</a:t>
-            </a:r>
-            <a:r>
-              <a:rPr/>
-              <a:t> </a:t>
-            </a:r>
-            <a:r>
-              <a:rPr/>
-              <a:t>gave</a:t>
-            </a:r>
-            <a:r>
-              <a:rPr/>
-              <a:t> </a:t>
-            </a:r>
-            <a:r>
-              <a:rPr/>
-              <a:t>you</a:t>
-            </a:r>
-            <a:r>
-              <a:rPr/>
-              <a:t> </a:t>
-            </a:r>
-            <a:r>
-              <a:rPr/>
-              <a:t>one</a:t>
-            </a:r>
-            <a:r>
-              <a:rPr/>
-              <a:t> </a:t>
-            </a:r>
-            <a:r>
-              <a:rPr/>
-              <a:t>instruction,</a:t>
-            </a:r>
-            <a:r>
-              <a:rPr/>
-              <a:t> </a:t>
-            </a:r>
-            <a:r>
-              <a:rPr/>
-              <a:t>the</a:t>
-            </a:r>
-            <a:r>
-              <a:rPr/>
-              <a:t> </a:t>
-            </a:r>
-            <a:r>
-              <a:rPr/>
-              <a:t>entire</a:t>
-            </a:r>
-            <a:r>
-              <a:rPr/>
-              <a:t> </a:t>
-            </a:r>
-            <a:r>
-              <a:rPr/>
-              <a:t>time,</a:t>
-            </a:r>
-            <a:r>
-              <a:rPr/>
-              <a:t> </a:t>
-            </a:r>
-            <a:r>
-              <a:rPr/>
-              <a:t>this</a:t>
-            </a:r>
-            <a:r>
-              <a:rPr/>
-              <a:t> </a:t>
-            </a:r>
-            <a:r>
-              <a:rPr/>
-              <a:t>would</a:t>
-            </a:r>
-            <a:r>
-              <a:rPr/>
-              <a:t> </a:t>
-            </a:r>
-            <a:r>
-              <a:rPr/>
-              <a:t>greatly</a:t>
-            </a:r>
-            <a:r>
-              <a:rPr/>
-              <a:t> </a:t>
-            </a:r>
-            <a:r>
-              <a:rPr/>
-              <a:t>limit</a:t>
-            </a:r>
-            <a:r>
-              <a:rPr/>
-              <a:t> </a:t>
-            </a:r>
-            <a:r>
-              <a:rPr/>
-              <a:t>the</a:t>
-            </a:r>
-            <a:r>
-              <a:rPr/>
-              <a:t> </a:t>
-            </a:r>
-            <a:r>
-              <a:rPr/>
-              <a:t>complexity</a:t>
-            </a:r>
-            <a:r>
-              <a:rPr/>
-              <a:t> </a:t>
-            </a:r>
-            <a:r>
-              <a:rPr/>
-              <a:t>of</a:t>
-            </a:r>
-            <a:r>
-              <a:rPr/>
-              <a:t> </a:t>
-            </a:r>
-            <a:r>
-              <a:rPr/>
-              <a:t>what</a:t>
-            </a:r>
-            <a:r>
-              <a:rPr/>
-              <a:t> </a:t>
-            </a:r>
-            <a:r>
-              <a:rPr/>
-              <a:t>I</a:t>
-            </a:r>
-            <a:r>
-              <a:rPr/>
-              <a:t> </a:t>
-            </a:r>
-            <a:r>
-              <a:rPr/>
-              <a:t>can</a:t>
-            </a:r>
-            <a:r>
-              <a:rPr/>
-              <a:t> </a:t>
-            </a:r>
-            <a:r>
-              <a:rPr/>
-              <a:t>tell</a:t>
-            </a:r>
-            <a:r>
-              <a:rPr/>
-              <a:t> </a:t>
-            </a:r>
-            <a:r>
-              <a:rPr/>
-              <a:t>someone</a:t>
-            </a:r>
-            <a:r>
-              <a:rPr/>
-              <a:t> </a:t>
-            </a:r>
-            <a:r>
-              <a:rPr/>
-              <a:t>to</a:t>
-            </a:r>
-            <a:r>
-              <a:rPr/>
-              <a:t> </a:t>
-            </a:r>
-            <a:r>
-              <a:rPr/>
-              <a:t>do.</a:t>
-            </a:r>
-            <a:r>
-              <a:rPr/>
-              <a:t> </a:t>
-            </a:r>
-            <a:r>
-              <a:rPr/>
-              <a:t>If</a:t>
-            </a:r>
-            <a:r>
-              <a:rPr/>
-              <a:t> </a:t>
-            </a:r>
-            <a:r>
-              <a:rPr/>
-              <a:t>it</a:t>
-            </a:r>
-            <a:r>
-              <a:rPr/>
-              <a:t> </a:t>
-            </a:r>
-            <a:r>
-              <a:rPr/>
-              <a:t>rains,</a:t>
-            </a:r>
-            <a:r>
-              <a:rPr/>
-              <a:t> </a:t>
-            </a:r>
-            <a:r>
-              <a:rPr/>
-              <a:t>take</a:t>
-            </a:r>
-            <a:r>
-              <a:rPr/>
-              <a:t> </a:t>
-            </a:r>
-            <a:r>
-              <a:rPr/>
-              <a:t>an</a:t>
-            </a:r>
-            <a:r>
-              <a:rPr/>
-              <a:t> </a:t>
-            </a:r>
-            <a:r>
-              <a:rPr/>
-              <a:t>umbrella.</a:t>
-            </a:r>
-            <a:r>
-              <a:rPr/>
-              <a:t> </a:t>
-            </a:r>
-            <a:r>
-              <a:rPr/>
-              <a:t>If</a:t>
-            </a:r>
-            <a:r>
-              <a:rPr/>
-              <a:t> </a:t>
-            </a:r>
-            <a:r>
-              <a:rPr/>
-              <a:t>it</a:t>
-            </a:r>
-            <a:r>
-              <a:rPr/>
-              <a:t> </a:t>
-            </a:r>
-            <a:r>
-              <a:rPr/>
-              <a:t>you</a:t>
-            </a:r>
-            <a:r>
-              <a:rPr/>
-              <a:t> </a:t>
-            </a:r>
-            <a:r>
-              <a:rPr/>
-              <a:t>have</a:t>
-            </a:r>
-            <a:r>
-              <a:rPr/>
-              <a:t> </a:t>
-            </a:r>
-            <a:r>
-              <a:rPr/>
-              <a:t>gone</a:t>
-            </a:r>
-            <a:r>
-              <a:rPr/>
-              <a:t> </a:t>
-            </a:r>
-            <a:r>
-              <a:rPr/>
-              <a:t>to</a:t>
-            </a:r>
-            <a:r>
-              <a:rPr/>
-              <a:t> </a:t>
-            </a:r>
-            <a:r>
-              <a:rPr/>
-              <a:t>visited</a:t>
-            </a:r>
-            <a:r>
-              <a:rPr/>
-              <a:t> </a:t>
-            </a:r>
-            <a:r>
-              <a:rPr/>
-              <a:t>Wuhan,</a:t>
-            </a:r>
-            <a:r>
-              <a:rPr/>
-              <a:t> </a:t>
-            </a:r>
-            <a:r>
-              <a:rPr/>
-              <a:t>quarantine</a:t>
-            </a:r>
-            <a:r>
-              <a:rPr/>
-              <a:t> </a:t>
-            </a:r>
-            <a:r>
-              <a:rPr/>
-              <a:t>yourself</a:t>
+              <a:t>If I gave you one instruction, the entire time, this would greatly limit the complexity of what I can tell someone to do. If it rains, take an umbrella. If it you have gone to visited Wuhan, quarantine yourself</a:t>
             </a:r>
           </a:p>
         </p:txBody>
@@ -1050,6 +658,9 @@
       </p:sp>
     </p:spTree>
   </p:cSld>
+  <p:clrMapOvr>
+    <a:masterClrMapping/>
+  </p:clrMapOvr>
 </p:notes>
 </file>
 
@@ -1200,7 +811,7 @@
           <a:p>
             <a:fld id="{937E6D32-4C03-264D-8FDB-034DA7582E3B}" type="datetimeFigureOut">
               <a:rPr lang="en-US" smtClean="0"/>
-              <a:t>8/27/19</a:t>
+              <a:t>3/4/20</a:t>
             </a:fld>
             <a:endParaRPr lang="en-US"/>
           </a:p>
@@ -1398,7 +1009,7 @@
           <a:p>
             <a:fld id="{937E6D32-4C03-264D-8FDB-034DA7582E3B}" type="datetimeFigureOut">
               <a:rPr lang="en-US" smtClean="0"/>
-              <a:t>8/27/19</a:t>
+              <a:t>3/4/20</a:t>
             </a:fld>
             <a:endParaRPr lang="en-US"/>
           </a:p>
@@ -1606,7 +1217,7 @@
           <a:p>
             <a:fld id="{937E6D32-4C03-264D-8FDB-034DA7582E3B}" type="datetimeFigureOut">
               <a:rPr lang="en-US" smtClean="0"/>
-              <a:t>8/27/19</a:t>
+              <a:t>3/4/20</a:t>
             </a:fld>
             <a:endParaRPr lang="en-US"/>
           </a:p>
@@ -1804,7 +1415,7 @@
           <a:p>
             <a:fld id="{937E6D32-4C03-264D-8FDB-034DA7582E3B}" type="datetimeFigureOut">
               <a:rPr lang="en-US" smtClean="0"/>
-              <a:t>8/27/19</a:t>
+              <a:t>3/4/20</a:t>
             </a:fld>
             <a:endParaRPr lang="en-US"/>
           </a:p>
@@ -2079,7 +1690,7 @@
           <a:p>
             <a:fld id="{937E6D32-4C03-264D-8FDB-034DA7582E3B}" type="datetimeFigureOut">
               <a:rPr lang="en-US" smtClean="0"/>
-              <a:t>8/27/19</a:t>
+              <a:t>3/4/20</a:t>
             </a:fld>
             <a:endParaRPr lang="en-US"/>
           </a:p>
@@ -2344,7 +1955,7 @@
           <a:p>
             <a:fld id="{937E6D32-4C03-264D-8FDB-034DA7582E3B}" type="datetimeFigureOut">
               <a:rPr lang="en-US" smtClean="0"/>
-              <a:t>8/27/19</a:t>
+              <a:t>3/4/20</a:t>
             </a:fld>
             <a:endParaRPr lang="en-US"/>
           </a:p>
@@ -2756,7 +2367,7 @@
           <a:p>
             <a:fld id="{937E6D32-4C03-264D-8FDB-034DA7582E3B}" type="datetimeFigureOut">
               <a:rPr lang="en-US" smtClean="0"/>
-              <a:t>8/27/19</a:t>
+              <a:t>3/4/20</a:t>
             </a:fld>
             <a:endParaRPr lang="en-US"/>
           </a:p>
@@ -2897,7 +2508,7 @@
           <a:p>
             <a:fld id="{937E6D32-4C03-264D-8FDB-034DA7582E3B}" type="datetimeFigureOut">
               <a:rPr lang="en-US" smtClean="0"/>
-              <a:t>8/27/19</a:t>
+              <a:t>3/4/20</a:t>
             </a:fld>
             <a:endParaRPr lang="en-US"/>
           </a:p>
@@ -3010,7 +2621,7 @@
           <a:p>
             <a:fld id="{937E6D32-4C03-264D-8FDB-034DA7582E3B}" type="datetimeFigureOut">
               <a:rPr lang="en-US" smtClean="0"/>
-              <a:t>8/27/19</a:t>
+              <a:t>3/4/20</a:t>
             </a:fld>
             <a:endParaRPr lang="en-US"/>
           </a:p>
@@ -3321,7 +2932,7 @@
           <a:p>
             <a:fld id="{937E6D32-4C03-264D-8FDB-034DA7582E3B}" type="datetimeFigureOut">
               <a:rPr lang="en-US" smtClean="0"/>
-              <a:t>8/27/19</a:t>
+              <a:t>3/4/20</a:t>
             </a:fld>
             <a:endParaRPr lang="en-US"/>
           </a:p>
@@ -3609,7 +3220,7 @@
           <a:p>
             <a:fld id="{937E6D32-4C03-264D-8FDB-034DA7582E3B}" type="datetimeFigureOut">
               <a:rPr lang="en-US" smtClean="0"/>
-              <a:t>8/27/19</a:t>
+              <a:t>3/4/20</a:t>
             </a:fld>
             <a:endParaRPr lang="en-US"/>
           </a:p>
@@ -3850,7 +3461,7 @@
           <a:p>
             <a:fld id="{937E6D32-4C03-264D-8FDB-034DA7582E3B}" type="datetimeFigureOut">
               <a:rPr lang="en-US" smtClean="0"/>
-              <a:t>8/27/19</a:t>
+              <a:t>3/4/20</a:t>
             </a:fld>
             <a:endParaRPr lang="en-US"/>
           </a:p>
@@ -4293,36 +3904,11 @@
           <a:bodyPr/>
           <a:lstStyle/>
           <a:p>
-            <a:pPr lvl="0" marL="0" indent="0">
+            <a:pPr marL="0" lvl="0" indent="0">
               <a:buNone/>
             </a:pPr>
             <a:r>
-              <a:rPr/>
-              <a:t>Control</a:t>
-            </a:r>
-            <a:r>
-              <a:rPr/>
-              <a:t> </a:t>
-            </a:r>
-            <a:r>
-              <a:rPr/>
-              <a:t>flow</a:t>
-            </a:r>
-            <a:r>
-              <a:rPr/>
-              <a:t> </a:t>
-            </a:r>
-            <a:r>
-              <a:rPr/>
-              <a:t>&amp;</a:t>
-            </a:r>
-            <a:r>
-              <a:rPr/>
-              <a:t> </a:t>
-            </a:r>
-            <a:r>
-              <a:rPr/>
-              <a:t>looping</a:t>
+              <a:t>Control flow &amp; looping</a:t>
             </a:r>
           </a:p>
         </p:txBody>
@@ -4353,16 +3939,20 @@
           <a:bodyPr/>
           <a:lstStyle/>
           <a:p>
-            <a:pPr lvl="0" marL="0" indent="0">
+            <a:pPr marL="0" lvl="0" indent="0">
               <a:buNone/>
             </a:pPr>
             <a:br/>
             <a:br/>
+            <a:endParaRPr/>
           </a:p>
         </p:txBody>
       </p:sp>
     </p:spTree>
   </p:cSld>
+  <p:clrMapOvr>
+    <a:masterClrMapping/>
+  </p:clrMapOvr>
 </p:sld>
 </file>
 
@@ -4404,20 +3994,11 @@
           <a:bodyPr/>
           <a:lstStyle/>
           <a:p>
-            <a:pPr lvl="0" marL="0" indent="0">
+            <a:pPr marL="0" lvl="0" indent="0">
               <a:buNone/>
             </a:pPr>
             <a:r>
-              <a:rPr/>
-              <a:t>Example</a:t>
-            </a:r>
-            <a:r>
-              <a:rPr/>
-              <a:t> </a:t>
-            </a:r>
-            <a:r>
-              <a:rPr/>
-              <a:t>2</a:t>
+              <a:t>Example 2</a:t>
             </a:r>
           </a:p>
         </p:txBody>
@@ -4443,7 +4024,7 @@
           <a:bodyPr/>
           <a:lstStyle/>
           <a:p>
-            <a:pPr lvl="0" marL="1270000" indent="0">
+            <a:pPr marL="1270000" lvl="0" indent="0">
               <a:buNone/>
             </a:pPr>
             <a:r>
@@ -4580,7 +4161,7 @@
             </a:r>
           </a:p>
           <a:p>
-            <a:pPr lvl="0" marL="1270000" indent="0">
+            <a:pPr marL="1270000" lvl="0" indent="0">
               <a:buNone/>
             </a:pPr>
             <a:r>
@@ -4594,6 +4175,9 @@
       </p:sp>
     </p:spTree>
   </p:cSld>
+  <p:clrMapOvr>
+    <a:masterClrMapping/>
+  </p:clrMapOvr>
 </p:sld>
 </file>
 
@@ -4635,11 +4219,10 @@
           <a:bodyPr/>
           <a:lstStyle/>
           <a:p>
-            <a:pPr lvl="0" marL="0" indent="0">
+            <a:pPr marL="0" lvl="0" indent="0">
               <a:buNone/>
             </a:pPr>
             <a:r>
-              <a:rPr/>
               <a:t>Else…</a:t>
             </a:r>
           </a:p>
@@ -4668,7 +4251,6 @@
           <a:p>
             <a:pPr lvl="1"/>
             <a:r>
-              <a:rPr/>
               <a:t>Sometimes we want to add a clause to tell the computer what to do if the condition is NOT met</a:t>
             </a:r>
           </a:p>
@@ -4676,6 +4258,9 @@
       </p:sp>
     </p:spTree>
   </p:cSld>
+  <p:clrMapOvr>
+    <a:masterClrMapping/>
+  </p:clrMapOvr>
 </p:sld>
 </file>
 
@@ -4717,20 +4302,11 @@
           <a:bodyPr/>
           <a:lstStyle/>
           <a:p>
-            <a:pPr lvl="0" marL="0" indent="0">
+            <a:pPr marL="0" lvl="0" indent="0">
               <a:buNone/>
             </a:pPr>
             <a:r>
-              <a:rPr/>
-              <a:t>Example</a:t>
-            </a:r>
-            <a:r>
-              <a:rPr/>
-              <a:t> </a:t>
-            </a:r>
-            <a:r>
-              <a:rPr/>
-              <a:t>3</a:t>
+              <a:t>Example 3</a:t>
             </a:r>
           </a:p>
         </p:txBody>
@@ -4756,7 +4332,7 @@
           <a:bodyPr/>
           <a:lstStyle/>
           <a:p>
-            <a:pPr lvl="0" marL="1270000" indent="0">
+            <a:pPr marL="1270000" lvl="0" indent="0">
               <a:buNone/>
             </a:pPr>
             <a:r>
@@ -4963,7 +4539,7 @@
             </a:r>
           </a:p>
           <a:p>
-            <a:pPr lvl="0" marL="1270000" indent="0">
+            <a:pPr marL="1270000" lvl="0" indent="0">
               <a:buNone/>
             </a:pPr>
             <a:r>
@@ -4977,6 +4553,9 @@
       </p:sp>
     </p:spTree>
   </p:cSld>
+  <p:clrMapOvr>
+    <a:masterClrMapping/>
+  </p:clrMapOvr>
 </p:sld>
 </file>
 
@@ -5018,20 +4597,11 @@
           <a:bodyPr/>
           <a:lstStyle/>
           <a:p>
-            <a:pPr lvl="0" marL="0" indent="0">
+            <a:pPr marL="0" lvl="0" indent="0">
               <a:buNone/>
             </a:pPr>
             <a:r>
-              <a:rPr/>
-              <a:t>Practice</a:t>
-            </a:r>
-            <a:r>
-              <a:rPr/>
-              <a:t> </a:t>
-            </a:r>
-            <a:r>
-              <a:rPr/>
-              <a:t>1</a:t>
+              <a:t>Practice 1</a:t>
             </a:r>
           </a:p>
         </p:txBody>
@@ -5059,14 +4629,12 @@
           <a:p>
             <a:pPr lvl="1"/>
             <a:r>
-              <a:rPr/>
               <a:t>Try modifying example 3 to your own name, then rerunning - what does it print now?</a:t>
             </a:r>
           </a:p>
           <a:p>
             <a:pPr lvl="1"/>
             <a:r>
-              <a:rPr/>
               <a:t>Try filling in the practice to compute the correct summary statistic (</a:t>
             </a:r>
             <a:r>
@@ -5076,7 +4644,6 @@
               <a:t>mean</a:t>
             </a:r>
             <a:r>
-              <a:rPr/>
               <a:t> or </a:t>
             </a:r>
             <a:r>
@@ -5086,7 +4653,6 @@
               <a:t>median</a:t>
             </a:r>
             <a:r>
-              <a:rPr/>
               <a:t>) on the variable </a:t>
             </a:r>
             <a:r>
@@ -5096,7 +4662,6 @@
               <a:t>cchic$urea</a:t>
             </a:r>
             <a:r>
-              <a:rPr/>
               <a:t>. Use </a:t>
             </a:r>
             <a:r>
@@ -5106,7 +4671,6 @@
               <a:t>print</a:t>
             </a:r>
             <a:r>
-              <a:rPr/>
               <a:t> to print our your result. Remeber to remove NA’s if needed.</a:t>
             </a:r>
           </a:p>
@@ -5114,6 +4678,9 @@
       </p:sp>
     </p:spTree>
   </p:cSld>
+  <p:clrMapOvr>
+    <a:masterClrMapping/>
+  </p:clrMapOvr>
 </p:sld>
 </file>
 
@@ -5155,20 +4722,11 @@
           <a:bodyPr/>
           <a:lstStyle/>
           <a:p>
-            <a:pPr lvl="0" marL="0" indent="0">
+            <a:pPr marL="0" lvl="0" indent="0">
               <a:buNone/>
             </a:pPr>
             <a:r>
-              <a:rPr/>
-              <a:t>Answer</a:t>
-            </a:r>
-            <a:r>
-              <a:rPr/>
-              <a:t> </a:t>
-            </a:r>
-            <a:r>
-              <a:rPr/>
-              <a:t>1</a:t>
+              <a:t>Answer 1</a:t>
             </a:r>
           </a:p>
         </p:txBody>
@@ -5194,7 +4752,7 @@
           <a:bodyPr/>
           <a:lstStyle/>
           <a:p>
-            <a:pPr lvl="0" marL="1270000" indent="0">
+            <a:pPr marL="1270000" lvl="0" indent="0">
               <a:buNone/>
             </a:pPr>
             <a:r>
@@ -5401,7 +4959,7 @@
             </a:r>
           </a:p>
           <a:p>
-            <a:pPr lvl="0" marL="1270000" indent="0">
+            <a:pPr marL="1270000" lvl="0" indent="0">
               <a:buNone/>
             </a:pPr>
             <a:r>
@@ -5415,6 +4973,9 @@
       </p:sp>
     </p:spTree>
   </p:cSld>
+  <p:clrMapOvr>
+    <a:masterClrMapping/>
+  </p:clrMapOvr>
 </p:sld>
 </file>
 
@@ -5456,48 +5017,97 @@
           <a:bodyPr/>
           <a:lstStyle/>
           <a:p>
-            <a:pPr lvl="0" marL="0" indent="0">
+            <a:pPr marL="0" lvl="0" indent="0">
               <a:buNone/>
             </a:pPr>
             <a:r>
-              <a:rPr/>
-              <a:t>Answer</a:t>
-            </a:r>
-            <a:r>
-              <a:rPr/>
+              <a:t>Answer 2</a:t>
+            </a:r>
+          </a:p>
+        </p:txBody>
+      </p:sp>
+      <p:sp>
+        <p:nvSpPr>
+          <p:cNvPr id="3" name="Content Placeholder 2">
+            <a:extLst>
+              <a:ext uri="{FF2B5EF4-FFF2-40B4-BE49-F238E27FC236}">
+                <a16:creationId xmlns:a16="http://schemas.microsoft.com/office/drawing/2014/main" id="{D10DDA37-E46B-B641-BC9F-636CB92A2C08}"/>
+              </a:ext>
+            </a:extLst>
+          </p:cNvPr>
+          <p:cNvSpPr>
+            <a:spLocks noGrp="1"/>
+          </p:cNvSpPr>
+          <p:nvPr>
+            <p:ph idx="1"/>
+          </p:nvPr>
+        </p:nvSpPr>
+        <p:spPr/>
+        <p:txBody>
+          <a:bodyPr/>
+          <a:lstStyle/>
+          <a:p>
+            <a:pPr marL="1270000" lvl="0" indent="0">
+              <a:buNone/>
+            </a:pPr>
+            <a:r>
+              <a:rPr sz="1800" b="1">
+                <a:solidFill>
+                  <a:srgbClr val="007020"/>
+                </a:solidFill>
+                <a:latin typeface="Courier"/>
+              </a:rPr>
+              <a:t>ggplot</a:t>
+            </a:r>
+            <a:r>
+              <a:rPr sz="1800">
+                <a:latin typeface="Courier"/>
+              </a:rPr>
+              <a:t>(</a:t>
+            </a:r>
+            <a:r>
+              <a:rPr sz="1800">
+                <a:solidFill>
+                  <a:srgbClr val="902000"/>
+                </a:solidFill>
+                <a:latin typeface="Courier"/>
+              </a:rPr>
+              <a:t>data =</a:t>
+            </a:r>
+            <a:r>
+              <a:rPr sz="1800">
+                <a:latin typeface="Courier"/>
+              </a:rPr>
+              <a:t> cchic) </a:t>
+            </a:r>
+            <a:r>
+              <a:rPr sz="1800">
+                <a:solidFill>
+                  <a:srgbClr val="666666"/>
+                </a:solidFill>
+                <a:latin typeface="Courier"/>
+              </a:rPr>
+              <a:t>+</a:t>
+            </a:r>
+            <a:r>
+              <a:rPr sz="1800">
+                <a:solidFill>
+                  <a:srgbClr val="4070A0"/>
+                </a:solidFill>
+                <a:latin typeface="Courier"/>
+              </a:rPr>
               <a:t> </a:t>
             </a:r>
-            <a:r>
-              <a:rPr/>
-              <a:t>2</a:t>
-            </a:r>
-          </a:p>
-        </p:txBody>
-      </p:sp>
-      <p:sp>
-        <p:nvSpPr>
-          <p:cNvPr id="3" name="Content Placeholder 2">
-            <a:extLst>
-              <a:ext uri="{FF2B5EF4-FFF2-40B4-BE49-F238E27FC236}">
-                <a16:creationId xmlns:a16="http://schemas.microsoft.com/office/drawing/2014/main" id="{D10DDA37-E46B-B641-BC9F-636CB92A2C08}"/>
-              </a:ext>
-            </a:extLst>
-          </p:cNvPr>
-          <p:cNvSpPr>
-            <a:spLocks noGrp="1"/>
-          </p:cNvSpPr>
-          <p:nvPr>
-            <p:ph idx="1"/>
-          </p:nvPr>
-        </p:nvSpPr>
-        <p:spPr/>
-        <p:txBody>
-          <a:bodyPr/>
-          <a:lstStyle/>
-          <a:p>
-            <a:pPr lvl="0" marL="1270000" indent="0">
-              <a:buNone/>
-            </a:pPr>
+            <a:br/>
+            <a:r>
+              <a:rPr sz="1800">
+                <a:solidFill>
+                  <a:srgbClr val="4070A0"/>
+                </a:solidFill>
+                <a:latin typeface="Courier"/>
+              </a:rPr>
+              <a:t>  </a:t>
+            </a:r>
             <a:r>
               <a:rPr sz="1800" b="1">
                 <a:solidFill>
@@ -5505,7 +5115,7 @@
                 </a:solidFill>
                 <a:latin typeface="Courier"/>
               </a:rPr>
-              <a:t>ggplot</a:t>
+              <a:t>geom_histogram</a:t>
             </a:r>
             <a:r>
               <a:rPr sz="1800">
@@ -5514,108 +5124,50 @@
               <a:t>(</a:t>
             </a:r>
             <a:r>
+              <a:rPr sz="1800" b="1">
+                <a:solidFill>
+                  <a:srgbClr val="007020"/>
+                </a:solidFill>
+                <a:latin typeface="Courier"/>
+              </a:rPr>
+              <a:t>aes</a:t>
+            </a:r>
+            <a:r>
+              <a:rPr sz="1800">
+                <a:latin typeface="Courier"/>
+              </a:rPr>
+              <a:t>(</a:t>
+            </a:r>
+            <a:r>
               <a:rPr sz="1800">
                 <a:solidFill>
                   <a:srgbClr val="902000"/>
                 </a:solidFill>
                 <a:latin typeface="Courier"/>
               </a:rPr>
-              <a:t>data =</a:t>
-            </a:r>
-            <a:r>
-              <a:rPr sz="1800">
-                <a:latin typeface="Courier"/>
-              </a:rPr>
-              <a:t> cchic) </a:t>
-            </a:r>
-            <a:r>
-              <a:rPr sz="1800">
-                <a:solidFill>
-                  <a:srgbClr val="666666"/>
-                </a:solidFill>
-                <a:latin typeface="Courier"/>
-              </a:rPr>
-              <a:t>+</a:t>
-            </a:r>
-            <a:r>
-              <a:rPr sz="1800">
-                <a:solidFill>
-                  <a:srgbClr val="4070A0"/>
-                </a:solidFill>
+              <a:t>x =</a:t>
+            </a:r>
+            <a:r>
+              <a:rPr sz="1800">
+                <a:latin typeface="Courier"/>
+              </a:rPr>
+              <a:t> urea), </a:t>
+            </a:r>
+            <a:r>
+              <a:rPr sz="1800">
+                <a:solidFill>
+                  <a:srgbClr val="902000"/>
+                </a:solidFill>
+                <a:latin typeface="Courier"/>
+              </a:rPr>
+              <a:t>bins =</a:t>
+            </a:r>
+            <a:r>
+              <a:rPr sz="1800">
                 <a:latin typeface="Courier"/>
               </a:rPr>
               <a:t> </a:t>
             </a:r>
-            <a:br/>
-            <a:r>
-              <a:rPr sz="1800">
-                <a:solidFill>
-                  <a:srgbClr val="4070A0"/>
-                </a:solidFill>
-                <a:latin typeface="Courier"/>
-              </a:rPr>
-              <a:t>  </a:t>
-            </a:r>
-            <a:r>
-              <a:rPr sz="1800" b="1">
-                <a:solidFill>
-                  <a:srgbClr val="007020"/>
-                </a:solidFill>
-                <a:latin typeface="Courier"/>
-              </a:rPr>
-              <a:t>geom_histogram</a:t>
-            </a:r>
-            <a:r>
-              <a:rPr sz="1800">
-                <a:latin typeface="Courier"/>
-              </a:rPr>
-              <a:t>(</a:t>
-            </a:r>
-            <a:r>
-              <a:rPr sz="1800" b="1">
-                <a:solidFill>
-                  <a:srgbClr val="007020"/>
-                </a:solidFill>
-                <a:latin typeface="Courier"/>
-              </a:rPr>
-              <a:t>aes</a:t>
-            </a:r>
-            <a:r>
-              <a:rPr sz="1800">
-                <a:latin typeface="Courier"/>
-              </a:rPr>
-              <a:t>(</a:t>
-            </a:r>
-            <a:r>
-              <a:rPr sz="1800">
-                <a:solidFill>
-                  <a:srgbClr val="902000"/>
-                </a:solidFill>
-                <a:latin typeface="Courier"/>
-              </a:rPr>
-              <a:t>x =</a:t>
-            </a:r>
-            <a:r>
-              <a:rPr sz="1800">
-                <a:latin typeface="Courier"/>
-              </a:rPr>
-              <a:t> urea), </a:t>
-            </a:r>
-            <a:r>
-              <a:rPr sz="1800">
-                <a:solidFill>
-                  <a:srgbClr val="902000"/>
-                </a:solidFill>
-                <a:latin typeface="Courier"/>
-              </a:rPr>
-              <a:t>bins =</a:t>
-            </a:r>
-            <a:r>
-              <a:rPr sz="1800">
-                <a:latin typeface="Courier"/>
-              </a:rPr>
-              <a:t> </a:t>
-            </a:r>
             <a:r>
               <a:rPr sz="1800">
                 <a:solidFill>
@@ -5633,7 +5185,7 @@
             </a:r>
           </a:p>
           <a:p>
-            <a:pPr lvl="0" marL="1270000" indent="0">
+            <a:pPr marL="1270000" lvl="0" indent="0">
               <a:buNone/>
             </a:pPr>
             <a:r>
@@ -5647,6 +5199,9 @@
       </p:sp>
     </p:spTree>
   </p:cSld>
+  <p:clrMapOvr>
+    <a:masterClrMapping/>
+  </p:clrMapOvr>
 </p:sld>
 </file>
 
@@ -5669,7 +5224,7 @@
       </p:grpSpPr>
       <p:pic>
         <p:nvPicPr>
-          <p:cNvPr descr="Workshop7_files/figure-pptx/unnamed-chunk-6-1.png" id="0" name="Picture 1"/>
+          <p:cNvPr id="2" name="Picture 1" descr="Workshop7_files/figure-pptx/unnamed-chunk-6-1.png"/>
           <p:cNvPicPr>
             <a:picLocks noGrp="1" noChangeAspect="1"/>
           </p:cNvPicPr>
@@ -5699,6 +5254,9 @@
       </p:pic>
     </p:spTree>
   </p:cSld>
+  <p:clrMapOvr>
+    <a:masterClrMapping/>
+  </p:clrMapOvr>
 </p:sld>
 </file>
 
@@ -5740,12 +5298,13 @@
           <a:bodyPr/>
           <a:lstStyle/>
           <a:p>
-            <a:pPr lvl="0" marL="0" indent="0">
+            <a:pPr marL="0" lvl="0" indent="0">
               <a:buNone/>
             </a:pPr>
-          </a:p>
-          <a:p>
-            <a:pPr lvl="0" marL="1270000" indent="0">
+            <a:endParaRPr/>
+          </a:p>
+          <a:p>
+            <a:pPr marL="1270000" lvl="0" indent="0">
               <a:buNone/>
             </a:pPr>
             <a:r>
@@ -6015,7 +5574,7 @@
             </a:r>
           </a:p>
           <a:p>
-            <a:pPr lvl="0" marL="1270000" indent="0">
+            <a:pPr marL="1270000" lvl="0" indent="0">
               <a:buNone/>
             </a:pPr>
             <a:r>
@@ -6029,6 +5588,9 @@
       </p:sp>
     </p:spTree>
   </p:cSld>
+  <p:clrMapOvr>
+    <a:masterClrMapping/>
+  </p:clrMapOvr>
 </p:sld>
 </file>
 
@@ -6070,28 +5632,11 @@
           <a:bodyPr/>
           <a:lstStyle/>
           <a:p>
-            <a:pPr lvl="0" marL="0" indent="0">
+            <a:pPr marL="0" lvl="0" indent="0">
               <a:buNone/>
             </a:pPr>
             <a:r>
-              <a:rPr/>
-              <a:t>Multiple</a:t>
-            </a:r>
-            <a:r>
-              <a:rPr/>
-              <a:t> </a:t>
-            </a:r>
-            <a:r>
-              <a:rPr/>
-              <a:t>conditional</a:t>
-            </a:r>
-            <a:r>
-              <a:rPr/>
-              <a:t> </a:t>
-            </a:r>
-            <a:r>
-              <a:rPr/>
-              <a:t>statements</a:t>
+              <a:t>Multiple conditional statements</a:t>
             </a:r>
           </a:p>
         </p:txBody>
@@ -6119,14 +5664,12 @@
           <a:p>
             <a:pPr lvl="1"/>
             <a:r>
-              <a:rPr/>
               <a:t>There are times when one condition is not enough</a:t>
             </a:r>
           </a:p>
           <a:p>
             <a:pPr lvl="1"/>
             <a:r>
-              <a:rPr/>
               <a:t>Here, we can string together multiple (as many as you like) </a:t>
             </a:r>
             <a:r>
@@ -6136,7 +5679,6 @@
               <a:t>else if</a:t>
             </a:r>
             <a:r>
-              <a:rPr/>
               <a:t> statements</a:t>
             </a:r>
           </a:p>
@@ -6144,6 +5686,9 @@
       </p:sp>
     </p:spTree>
   </p:cSld>
+  <p:clrMapOvr>
+    <a:masterClrMapping/>
+  </p:clrMapOvr>
 </p:sld>
 </file>
 
@@ -6185,20 +5730,11 @@
           <a:bodyPr/>
           <a:lstStyle/>
           <a:p>
-            <a:pPr lvl="0" marL="0" indent="0">
+            <a:pPr marL="0" lvl="0" indent="0">
               <a:buNone/>
             </a:pPr>
             <a:r>
-              <a:rPr/>
-              <a:t>Example</a:t>
-            </a:r>
-            <a:r>
-              <a:rPr/>
-              <a:t> </a:t>
-            </a:r>
-            <a:r>
-              <a:rPr/>
-              <a:t>4</a:t>
+              <a:t>Example 4</a:t>
             </a:r>
           </a:p>
         </p:txBody>
@@ -6224,7 +5760,7 @@
           <a:bodyPr/>
           <a:lstStyle/>
           <a:p>
-            <a:pPr lvl="0" marL="1270000" indent="0">
+            <a:pPr marL="1270000" lvl="0" indent="0">
               <a:buNone/>
             </a:pPr>
             <a:r>
@@ -6628,7 +6164,7 @@
             </a:r>
           </a:p>
           <a:p>
-            <a:pPr lvl="0" marL="1270000" indent="0">
+            <a:pPr marL="1270000" lvl="0" indent="0">
               <a:buNone/>
             </a:pPr>
             <a:r>
@@ -6642,6 +6178,9 @@
       </p:sp>
     </p:spTree>
   </p:cSld>
+  <p:clrMapOvr>
+    <a:masterClrMapping/>
+  </p:clrMapOvr>
 </p:sld>
 </file>
 
@@ -6664,7 +6203,7 @@
       </p:grpSpPr>
       <p:pic>
         <p:nvPicPr>
-          <p:cNvPr descr="../Images/Clinician%20Coders%20Branding_FINAL_CMYK_Colour.png" id="0" name="Picture 1"/>
+          <p:cNvPr id="2" name="Picture 1" descr="../Images/Clinician%20Coders%20Branding_FINAL_CMYK_Colour.png"/>
           <p:cNvPicPr>
             <a:picLocks noGrp="1" noChangeAspect="1"/>
           </p:cNvPicPr>
@@ -6694,6 +6233,9 @@
       </p:pic>
     </p:spTree>
   </p:cSld>
+  <p:clrMapOvr>
+    <a:masterClrMapping/>
+  </p:clrMapOvr>
 </p:sld>
 </file>
 
@@ -6735,20 +6277,11 @@
           <a:bodyPr/>
           <a:lstStyle/>
           <a:p>
-            <a:pPr lvl="0" marL="0" indent="0">
+            <a:pPr marL="0" lvl="0" indent="0">
               <a:buNone/>
             </a:pPr>
             <a:r>
-              <a:rPr/>
-              <a:t>Why</a:t>
-            </a:r>
-            <a:r>
-              <a:rPr/>
-              <a:t> </a:t>
-            </a:r>
-            <a:r>
-              <a:rPr/>
-              <a:t>loop?</a:t>
+              <a:t>Why loop?</a:t>
             </a:r>
           </a:p>
         </p:txBody>
@@ -6776,35 +6309,30 @@
           <a:p>
             <a:pPr lvl="1"/>
             <a:r>
-              <a:rPr/>
               <a:t>Copy pasting code is bad</a:t>
             </a:r>
           </a:p>
           <a:p>
             <a:pPr lvl="1"/>
             <a:r>
-              <a:rPr/>
               <a:t>Rule of thumb if you copy-paste &gt; 2 time, loop instead</a:t>
             </a:r>
           </a:p>
           <a:p>
             <a:pPr lvl="1"/>
             <a:r>
-              <a:rPr/>
               <a:t>Huge/mutiple data sets</a:t>
             </a:r>
           </a:p>
           <a:p>
             <a:pPr lvl="1"/>
             <a:r>
-              <a:rPr/>
               <a:t>Less human error-prone</a:t>
             </a:r>
           </a:p>
           <a:p>
             <a:pPr lvl="1"/>
             <a:r>
-              <a:rPr/>
               <a:t>Perform same function many times</a:t>
             </a:r>
           </a:p>
@@ -6812,6 +6340,9 @@
       </p:sp>
     </p:spTree>
   </p:cSld>
+  <p:clrMapOvr>
+    <a:masterClrMapping/>
+  </p:clrMapOvr>
 </p:sld>
 </file>
 
@@ -6853,20 +6384,11 @@
           <a:bodyPr/>
           <a:lstStyle/>
           <a:p>
-            <a:pPr lvl="0" marL="0" indent="0">
+            <a:pPr marL="0" lvl="0" indent="0">
               <a:buNone/>
             </a:pPr>
             <a:r>
-              <a:rPr/>
-              <a:t>Loop</a:t>
-            </a:r>
-            <a:r>
-              <a:rPr/>
-              <a:t> </a:t>
-            </a:r>
-            <a:r>
-              <a:rPr/>
-              <a:t>syntax</a:t>
+              <a:t>Loop syntax</a:t>
             </a:r>
           </a:p>
         </p:txBody>
@@ -6898,14 +6420,12 @@
               <a:t>For</a:t>
             </a:r>
             <a:r>
-              <a:rPr/>
               <a:t> and while loops</a:t>
             </a:r>
           </a:p>
           <a:p>
             <a:pPr lvl="1"/>
             <a:r>
-              <a:rPr/>
               <a:t>Loops have 2 parts:</a:t>
             </a:r>
           </a:p>
@@ -6914,7 +6434,6 @@
               <a:buAutoNum type="arabicPeriod"/>
             </a:pPr>
             <a:r>
-              <a:rPr/>
               <a:t>Number of iterations</a:t>
             </a:r>
           </a:p>
@@ -6923,7 +6442,6 @@
               <a:buAutoNum type="arabicPeriod"/>
             </a:pPr>
             <a:r>
-              <a:rPr/>
               <a:t>Body - what to do each iteration?</a:t>
             </a:r>
           </a:p>
@@ -6931,6 +6449,9 @@
       </p:sp>
     </p:spTree>
   </p:cSld>
+  <p:clrMapOvr>
+    <a:masterClrMapping/>
+  </p:clrMapOvr>
 </p:sld>
 </file>
 
@@ -6972,48 +6493,116 @@
           <a:bodyPr/>
           <a:lstStyle/>
           <a:p>
-            <a:pPr lvl="0" marL="0" indent="0">
+            <a:pPr marL="0" lvl="0" indent="0">
               <a:buNone/>
             </a:pPr>
             <a:r>
-              <a:rPr/>
-              <a:t>Example</a:t>
-            </a:r>
-            <a:r>
-              <a:rPr/>
+              <a:t>Example 5</a:t>
+            </a:r>
+          </a:p>
+        </p:txBody>
+      </p:sp>
+      <p:sp>
+        <p:nvSpPr>
+          <p:cNvPr id="3" name="Content Placeholder 2">
+            <a:extLst>
+              <a:ext uri="{FF2B5EF4-FFF2-40B4-BE49-F238E27FC236}">
+                <a16:creationId xmlns:a16="http://schemas.microsoft.com/office/drawing/2014/main" id="{D10DDA37-E46B-B641-BC9F-636CB92A2C08}"/>
+              </a:ext>
+            </a:extLst>
+          </p:cNvPr>
+          <p:cNvSpPr>
+            <a:spLocks noGrp="1"/>
+          </p:cNvSpPr>
+          <p:nvPr>
+            <p:ph idx="1"/>
+          </p:nvPr>
+        </p:nvSpPr>
+        <p:spPr/>
+        <p:txBody>
+          <a:bodyPr/>
+          <a:lstStyle/>
+          <a:p>
+            <a:pPr marL="1270000" lvl="0" indent="0">
+              <a:buNone/>
+            </a:pPr>
+            <a:r>
+              <a:rPr sz="1800" b="1">
+                <a:solidFill>
+                  <a:srgbClr val="007020"/>
+                </a:solidFill>
+                <a:latin typeface="Courier"/>
+              </a:rPr>
+              <a:t>for</a:t>
+            </a:r>
+            <a:r>
+              <a:rPr sz="1800">
+                <a:latin typeface="Courier"/>
+              </a:rPr>
+              <a:t>(i </a:t>
+            </a:r>
+            <a:r>
+              <a:rPr sz="1800" b="1">
+                <a:solidFill>
+                  <a:srgbClr val="007020"/>
+                </a:solidFill>
+                <a:latin typeface="Courier"/>
+              </a:rPr>
+              <a:t>in</a:t>
+            </a:r>
+            <a:r>
+              <a:rPr sz="1800">
+                <a:latin typeface="Courier"/>
+              </a:rPr>
               <a:t> </a:t>
             </a:r>
             <a:r>
-              <a:rPr/>
+              <a:rPr sz="1800">
+                <a:solidFill>
+                  <a:srgbClr val="40A070"/>
+                </a:solidFill>
+                <a:latin typeface="Courier"/>
+              </a:rPr>
+              <a:t>1</a:t>
+            </a:r>
+            <a:r>
+              <a:rPr sz="1800">
+                <a:solidFill>
+                  <a:srgbClr val="666666"/>
+                </a:solidFill>
+                <a:latin typeface="Courier"/>
+              </a:rPr>
+              <a:t>:</a:t>
+            </a:r>
+            <a:r>
+              <a:rPr sz="1800">
+                <a:solidFill>
+                  <a:srgbClr val="40A070"/>
+                </a:solidFill>
+                <a:latin typeface="Courier"/>
+              </a:rPr>
               <a:t>5</a:t>
             </a:r>
-          </a:p>
-        </p:txBody>
-      </p:sp>
-      <p:sp>
-        <p:nvSpPr>
-          <p:cNvPr id="3" name="Content Placeholder 2">
-            <a:extLst>
-              <a:ext uri="{FF2B5EF4-FFF2-40B4-BE49-F238E27FC236}">
-                <a16:creationId xmlns:a16="http://schemas.microsoft.com/office/drawing/2014/main" id="{D10DDA37-E46B-B641-BC9F-636CB92A2C08}"/>
-              </a:ext>
-            </a:extLst>
-          </p:cNvPr>
-          <p:cNvSpPr>
-            <a:spLocks noGrp="1"/>
-          </p:cNvSpPr>
-          <p:nvPr>
-            <p:ph idx="1"/>
-          </p:nvPr>
-        </p:nvSpPr>
-        <p:spPr/>
-        <p:txBody>
-          <a:bodyPr/>
-          <a:lstStyle/>
-          <a:p>
-            <a:pPr lvl="0" marL="1270000" indent="0">
-              <a:buNone/>
-            </a:pPr>
+            <a:r>
+              <a:rPr sz="1800">
+                <a:latin typeface="Courier"/>
+              </a:rPr>
+              <a:t>){</a:t>
+            </a:r>
+            <a:br/>
+            <a:r>
+              <a:rPr sz="1800">
+                <a:latin typeface="Courier"/>
+              </a:rPr>
+              <a:t>  </a:t>
+            </a:r>
+            <a:br/>
+            <a:r>
+              <a:rPr sz="1800">
+                <a:latin typeface="Courier"/>
+              </a:rPr>
+              <a:t>  </a:t>
+            </a:r>
             <a:r>
               <a:rPr sz="1800" b="1">
                 <a:solidFill>
@@ -7021,61 +6610,13 @@
                 </a:solidFill>
                 <a:latin typeface="Courier"/>
               </a:rPr>
-              <a:t>for</a:t>
-            </a:r>
-            <a:r>
-              <a:rPr sz="1800">
-                <a:latin typeface="Courier"/>
-              </a:rPr>
-              <a:t>(i </a:t>
-            </a:r>
-            <a:r>
-              <a:rPr sz="1800" b="1">
-                <a:solidFill>
-                  <a:srgbClr val="007020"/>
-                </a:solidFill>
-                <a:latin typeface="Courier"/>
-              </a:rPr>
-              <a:t>in</a:t>
-            </a:r>
-            <a:r>
-              <a:rPr sz="1800">
-                <a:latin typeface="Courier"/>
-              </a:rPr>
-              <a:t> </a:t>
-            </a:r>
-            <a:r>
-              <a:rPr sz="1800">
-                <a:solidFill>
-                  <a:srgbClr val="40A070"/>
-                </a:solidFill>
-                <a:latin typeface="Courier"/>
-              </a:rPr>
-              <a:t>1</a:t>
-            </a:r>
-            <a:r>
-              <a:rPr sz="1800">
-                <a:solidFill>
-                  <a:srgbClr val="666666"/>
-                </a:solidFill>
-                <a:latin typeface="Courier"/>
-              </a:rPr>
-              <a:t>:</a:t>
-            </a:r>
-            <a:r>
-              <a:rPr sz="1800">
-                <a:solidFill>
-                  <a:srgbClr val="40A070"/>
-                </a:solidFill>
-                <a:latin typeface="Courier"/>
-              </a:rPr>
-              <a:t>5</a:t>
-            </a:r>
-            <a:r>
-              <a:rPr sz="1800">
-                <a:latin typeface="Courier"/>
-              </a:rPr>
-              <a:t>){</a:t>
+              <a:t>print</a:t>
+            </a:r>
+            <a:r>
+              <a:rPr sz="1800">
+                <a:latin typeface="Courier"/>
+              </a:rPr>
+              <a:t>(i)</a:t>
             </a:r>
             <a:br/>
             <a:r>
@@ -7089,40 +6630,11 @@
               <a:rPr sz="1800">
                 <a:latin typeface="Courier"/>
               </a:rPr>
-              <a:t>  </a:t>
-            </a:r>
-            <a:r>
-              <a:rPr sz="1800" b="1">
-                <a:solidFill>
-                  <a:srgbClr val="007020"/>
-                </a:solidFill>
-                <a:latin typeface="Courier"/>
-              </a:rPr>
-              <a:t>print</a:t>
-            </a:r>
-            <a:r>
-              <a:rPr sz="1800">
-                <a:latin typeface="Courier"/>
-              </a:rPr>
-              <a:t>(i)</a:t>
-            </a:r>
-            <a:br/>
-            <a:r>
-              <a:rPr sz="1800">
-                <a:latin typeface="Courier"/>
-              </a:rPr>
-              <a:t>  </a:t>
-            </a:r>
-            <a:br/>
-            <a:r>
-              <a:rPr sz="1800">
-                <a:latin typeface="Courier"/>
-              </a:rPr>
               <a:t>}</a:t>
             </a:r>
           </a:p>
           <a:p>
-            <a:pPr lvl="0" marL="1270000" indent="0">
+            <a:pPr marL="1270000" lvl="0" indent="0">
               <a:buNone/>
             </a:pPr>
             <a:r>
@@ -7140,6 +6652,9 @@
       </p:sp>
     </p:spTree>
   </p:cSld>
+  <p:clrMapOvr>
+    <a:masterClrMapping/>
+  </p:clrMapOvr>
 </p:sld>
 </file>
 
@@ -7181,79 +6696,191 @@
           <a:bodyPr/>
           <a:lstStyle/>
           <a:p>
-            <a:pPr lvl="0" marL="0" indent="0">
+            <a:pPr marL="0" lvl="0" indent="0">
               <a:buNone/>
             </a:pPr>
             <a:r>
-              <a:rPr/>
-              <a:t>Example</a:t>
-            </a:r>
-            <a:r>
-              <a:rPr/>
+              <a:t>Example 6 - manual</a:t>
+            </a:r>
+          </a:p>
+        </p:txBody>
+      </p:sp>
+      <p:sp>
+        <p:nvSpPr>
+          <p:cNvPr id="3" name="Content Placeholder 2">
+            <a:extLst>
+              <a:ext uri="{FF2B5EF4-FFF2-40B4-BE49-F238E27FC236}">
+                <a16:creationId xmlns:a16="http://schemas.microsoft.com/office/drawing/2014/main" id="{D10DDA37-E46B-B641-BC9F-636CB92A2C08}"/>
+              </a:ext>
+            </a:extLst>
+          </p:cNvPr>
+          <p:cNvSpPr>
+            <a:spLocks noGrp="1"/>
+          </p:cNvSpPr>
+          <p:nvPr>
+            <p:ph idx="1"/>
+          </p:nvPr>
+        </p:nvSpPr>
+        <p:spPr/>
+        <p:txBody>
+          <a:bodyPr/>
+          <a:lstStyle/>
+          <a:p>
+            <a:pPr marL="1270000" lvl="0" indent="0">
+              <a:buNone/>
+            </a:pPr>
+            <a:r>
+              <a:rPr sz="1800">
+                <a:latin typeface="Courier"/>
+              </a:rPr>
+              <a:t>x &lt;-</a:t>
+            </a:r>
+            <a:r>
+              <a:rPr sz="1800">
+                <a:solidFill>
+                  <a:srgbClr val="4070A0"/>
+                </a:solidFill>
+                <a:latin typeface="Courier"/>
+              </a:rPr>
               <a:t> </a:t>
             </a:r>
             <a:r>
-              <a:rPr/>
-              <a:t>6</a:t>
-            </a:r>
-            <a:r>
-              <a:rPr/>
-              <a:t> </a:t>
-            </a:r>
-            <a:r>
-              <a:rPr/>
-              <a:t>-</a:t>
-            </a:r>
-            <a:r>
-              <a:rPr/>
-              <a:t> </a:t>
-            </a:r>
-            <a:r>
-              <a:rPr/>
-              <a:t>manual</a:t>
-            </a:r>
-          </a:p>
-        </p:txBody>
-      </p:sp>
-      <p:sp>
-        <p:nvSpPr>
-          <p:cNvPr id="3" name="Content Placeholder 2">
-            <a:extLst>
-              <a:ext uri="{FF2B5EF4-FFF2-40B4-BE49-F238E27FC236}">
-                <a16:creationId xmlns:a16="http://schemas.microsoft.com/office/drawing/2014/main" id="{D10DDA37-E46B-B641-BC9F-636CB92A2C08}"/>
-              </a:ext>
-            </a:extLst>
-          </p:cNvPr>
-          <p:cNvSpPr>
-            <a:spLocks noGrp="1"/>
-          </p:cNvSpPr>
-          <p:nvPr>
-            <p:ph idx="1"/>
-          </p:nvPr>
-        </p:nvSpPr>
-        <p:spPr/>
-        <p:txBody>
-          <a:bodyPr/>
-          <a:lstStyle/>
-          <a:p>
-            <a:pPr lvl="0" marL="1270000" indent="0">
+              <a:rPr sz="1800" b="1">
+                <a:solidFill>
+                  <a:srgbClr val="007020"/>
+                </a:solidFill>
+                <a:latin typeface="Courier"/>
+              </a:rPr>
+              <a:t>c</a:t>
+            </a:r>
+            <a:r>
+              <a:rPr sz="1800">
+                <a:latin typeface="Courier"/>
+              </a:rPr>
+              <a:t>(</a:t>
+            </a:r>
+            <a:r>
+              <a:rPr sz="1800">
+                <a:solidFill>
+                  <a:srgbClr val="4070A0"/>
+                </a:solidFill>
+                <a:latin typeface="Courier"/>
+              </a:rPr>
+              <a:t>"the"</a:t>
+            </a:r>
+            <a:r>
+              <a:rPr sz="1800">
+                <a:latin typeface="Courier"/>
+              </a:rPr>
+              <a:t>, </a:t>
+            </a:r>
+            <a:r>
+              <a:rPr sz="1800">
+                <a:solidFill>
+                  <a:srgbClr val="4070A0"/>
+                </a:solidFill>
+                <a:latin typeface="Courier"/>
+              </a:rPr>
+              <a:t>"classic"</a:t>
+            </a:r>
+            <a:r>
+              <a:rPr sz="1800">
+                <a:latin typeface="Courier"/>
+              </a:rPr>
+              <a:t>, </a:t>
+            </a:r>
+            <a:r>
+              <a:rPr sz="1800">
+                <a:solidFill>
+                  <a:srgbClr val="4070A0"/>
+                </a:solidFill>
+                <a:latin typeface="Courier"/>
+              </a:rPr>
+              <a:t>"hello"</a:t>
+            </a:r>
+            <a:r>
+              <a:rPr sz="1800">
+                <a:latin typeface="Courier"/>
+              </a:rPr>
+              <a:t>, </a:t>
+            </a:r>
+            <a:r>
+              <a:rPr sz="1800">
+                <a:solidFill>
+                  <a:srgbClr val="4070A0"/>
+                </a:solidFill>
+                <a:latin typeface="Courier"/>
+              </a:rPr>
+              <a:t>"world"</a:t>
+            </a:r>
+            <a:r>
+              <a:rPr sz="1800">
+                <a:latin typeface="Courier"/>
+              </a:rPr>
+              <a:t>, </a:t>
+            </a:r>
+            <a:r>
+              <a:rPr sz="1800">
+                <a:solidFill>
+                  <a:srgbClr val="4070A0"/>
+                </a:solidFill>
+                <a:latin typeface="Courier"/>
+              </a:rPr>
+              <a:t>"example"</a:t>
+            </a:r>
+            <a:r>
+              <a:rPr sz="1800">
+                <a:latin typeface="Courier"/>
+              </a:rPr>
+              <a:t>)</a:t>
+            </a:r>
+            <a:br/>
+            <a:r>
+              <a:rPr sz="1800" b="1">
+                <a:solidFill>
+                  <a:srgbClr val="007020"/>
+                </a:solidFill>
+                <a:latin typeface="Courier"/>
+              </a:rPr>
+              <a:t>print</a:t>
+            </a:r>
+            <a:r>
+              <a:rPr sz="1800">
+                <a:latin typeface="Courier"/>
+              </a:rPr>
+              <a:t>(x[</a:t>
+            </a:r>
+            <a:r>
+              <a:rPr sz="1800">
+                <a:solidFill>
+                  <a:srgbClr val="40A070"/>
+                </a:solidFill>
+                <a:latin typeface="Courier"/>
+              </a:rPr>
+              <a:t>1</a:t>
+            </a:r>
+            <a:r>
+              <a:rPr sz="1800">
+                <a:latin typeface="Courier"/>
+              </a:rPr>
+              <a:t>])</a:t>
+            </a:r>
+          </a:p>
+          <a:p>
+            <a:pPr marL="1270000" lvl="0" indent="0">
               <a:buNone/>
             </a:pPr>
             <a:r>
               <a:rPr sz="1800">
                 <a:latin typeface="Courier"/>
               </a:rPr>
-              <a:t>x &lt;-</a:t>
-            </a:r>
-            <a:r>
-              <a:rPr sz="1800">
-                <a:solidFill>
-                  <a:srgbClr val="4070A0"/>
-                </a:solidFill>
-                <a:latin typeface="Courier"/>
-              </a:rPr>
-              <a:t> </a:t>
-            </a:r>
+              <a:t>## [1] "the"</a:t>
+            </a:r>
+          </a:p>
+          <a:p>
+            <a:pPr marL="1270000" lvl="0" indent="0">
+              <a:buNone/>
+            </a:pPr>
             <a:r>
               <a:rPr sz="1800" b="1">
                 <a:solidFill>
@@ -7261,90 +6888,45 @@
                 </a:solidFill>
                 <a:latin typeface="Courier"/>
               </a:rPr>
-              <a:t>c</a:t>
-            </a:r>
-            <a:r>
-              <a:rPr sz="1800">
-                <a:latin typeface="Courier"/>
-              </a:rPr>
-              <a:t>(</a:t>
-            </a:r>
-            <a:r>
-              <a:rPr sz="1800">
-                <a:solidFill>
-                  <a:srgbClr val="4070A0"/>
-                </a:solidFill>
-                <a:latin typeface="Courier"/>
-              </a:rPr>
-              <a:t>"the"</a:t>
-            </a:r>
-            <a:r>
-              <a:rPr sz="1800">
-                <a:latin typeface="Courier"/>
-              </a:rPr>
-              <a:t>, </a:t>
-            </a:r>
-            <a:r>
-              <a:rPr sz="1800">
-                <a:solidFill>
-                  <a:srgbClr val="4070A0"/>
-                </a:solidFill>
-                <a:latin typeface="Courier"/>
-              </a:rPr>
-              <a:t>"classic"</a:t>
-            </a:r>
-            <a:r>
-              <a:rPr sz="1800">
-                <a:latin typeface="Courier"/>
-              </a:rPr>
-              <a:t>, </a:t>
-            </a:r>
-            <a:r>
-              <a:rPr sz="1800">
-                <a:solidFill>
-                  <a:srgbClr val="4070A0"/>
-                </a:solidFill>
-                <a:latin typeface="Courier"/>
-              </a:rPr>
-              <a:t>"hello"</a:t>
-            </a:r>
-            <a:r>
-              <a:rPr sz="1800">
-                <a:latin typeface="Courier"/>
-              </a:rPr>
-              <a:t>, </a:t>
-            </a:r>
-            <a:r>
-              <a:rPr sz="1800">
-                <a:solidFill>
-                  <a:srgbClr val="4070A0"/>
-                </a:solidFill>
-                <a:latin typeface="Courier"/>
-              </a:rPr>
-              <a:t>"world"</a:t>
-            </a:r>
-            <a:r>
-              <a:rPr sz="1800">
-                <a:latin typeface="Courier"/>
-              </a:rPr>
-              <a:t>, </a:t>
-            </a:r>
-            <a:r>
-              <a:rPr sz="1800">
-                <a:solidFill>
-                  <a:srgbClr val="4070A0"/>
-                </a:solidFill>
-                <a:latin typeface="Courier"/>
-              </a:rPr>
-              <a:t>"example"</a:t>
-            </a:r>
-            <a:r>
-              <a:rPr sz="1800">
-                <a:latin typeface="Courier"/>
-              </a:rPr>
-              <a:t>)</a:t>
-            </a:r>
-            <a:br/>
+              <a:t>print</a:t>
+            </a:r>
+            <a:r>
+              <a:rPr sz="1800">
+                <a:latin typeface="Courier"/>
+              </a:rPr>
+              <a:t>(x[</a:t>
+            </a:r>
+            <a:r>
+              <a:rPr sz="1800">
+                <a:solidFill>
+                  <a:srgbClr val="40A070"/>
+                </a:solidFill>
+                <a:latin typeface="Courier"/>
+              </a:rPr>
+              <a:t>2</a:t>
+            </a:r>
+            <a:r>
+              <a:rPr sz="1800">
+                <a:latin typeface="Courier"/>
+              </a:rPr>
+              <a:t>])</a:t>
+            </a:r>
+          </a:p>
+          <a:p>
+            <a:pPr marL="1270000" lvl="0" indent="0">
+              <a:buNone/>
+            </a:pPr>
+            <a:r>
+              <a:rPr sz="1800">
+                <a:latin typeface="Courier"/>
+              </a:rPr>
+              <a:t>## [1] "classic"</a:t>
+            </a:r>
+          </a:p>
+          <a:p>
+            <a:pPr marL="1270000" lvl="0" indent="0">
+              <a:buNone/>
+            </a:pPr>
             <a:r>
               <a:rPr sz="1800" b="1">
                 <a:solidFill>
@@ -7367,7 +6949,7 @@
                 </a:solidFill>
                 <a:latin typeface="Courier"/>
               </a:rPr>
-              <a:t>1</a:t>
+              <a:t>3</a:t>
             </a:r>
             <a:r>
               <a:rPr sz="1800">
@@ -7377,18 +6959,18 @@
             </a:r>
           </a:p>
           <a:p>
-            <a:pPr lvl="0" marL="1270000" indent="0">
+            <a:pPr marL="1270000" lvl="0" indent="0">
               <a:buNone/>
             </a:pPr>
             <a:r>
               <a:rPr sz="1800">
                 <a:latin typeface="Courier"/>
               </a:rPr>
-              <a:t>## [1] "the"</a:t>
-            </a:r>
-          </a:p>
-          <a:p>
-            <a:pPr lvl="0" marL="1270000" indent="0">
+              <a:t>## [1] "hello"</a:t>
+            </a:r>
+          </a:p>
+          <a:p>
+            <a:pPr marL="1270000" lvl="0" indent="0">
               <a:buNone/>
             </a:pPr>
             <a:r>
@@ -7413,7 +6995,7 @@
                 </a:solidFill>
                 <a:latin typeface="Courier"/>
               </a:rPr>
-              <a:t>2</a:t>
+              <a:t>4</a:t>
             </a:r>
             <a:r>
               <a:rPr sz="1800">
@@ -7423,18 +7005,18 @@
             </a:r>
           </a:p>
           <a:p>
-            <a:pPr lvl="0" marL="1270000" indent="0">
+            <a:pPr marL="1270000" lvl="0" indent="0">
               <a:buNone/>
             </a:pPr>
             <a:r>
               <a:rPr sz="1800">
                 <a:latin typeface="Courier"/>
               </a:rPr>
-              <a:t>## [1] "classic"</a:t>
-            </a:r>
-          </a:p>
-          <a:p>
-            <a:pPr lvl="0" marL="1270000" indent="0">
+              <a:t>## [1] "world"</a:t>
+            </a:r>
+          </a:p>
+          <a:p>
+            <a:pPr marL="1270000" lvl="0" indent="0">
               <a:buNone/>
             </a:pPr>
             <a:r>
@@ -7459,7 +7041,7 @@
                 </a:solidFill>
                 <a:latin typeface="Courier"/>
               </a:rPr>
-              <a:t>3</a:t>
+              <a:t>5</a:t>
             </a:r>
             <a:r>
               <a:rPr sz="1800">
@@ -7469,99 +7051,7 @@
             </a:r>
           </a:p>
           <a:p>
-            <a:pPr lvl="0" marL="1270000" indent="0">
-              <a:buNone/>
-            </a:pPr>
-            <a:r>
-              <a:rPr sz="1800">
-                <a:latin typeface="Courier"/>
-              </a:rPr>
-              <a:t>## [1] "hello"</a:t>
-            </a:r>
-          </a:p>
-          <a:p>
-            <a:pPr lvl="0" marL="1270000" indent="0">
-              <a:buNone/>
-            </a:pPr>
-            <a:r>
-              <a:rPr sz="1800" b="1">
-                <a:solidFill>
-                  <a:srgbClr val="007020"/>
-                </a:solidFill>
-                <a:latin typeface="Courier"/>
-              </a:rPr>
-              <a:t>print</a:t>
-            </a:r>
-            <a:r>
-              <a:rPr sz="1800">
-                <a:latin typeface="Courier"/>
-              </a:rPr>
-              <a:t>(x[</a:t>
-            </a:r>
-            <a:r>
-              <a:rPr sz="1800">
-                <a:solidFill>
-                  <a:srgbClr val="40A070"/>
-                </a:solidFill>
-                <a:latin typeface="Courier"/>
-              </a:rPr>
-              <a:t>4</a:t>
-            </a:r>
-            <a:r>
-              <a:rPr sz="1800">
-                <a:latin typeface="Courier"/>
-              </a:rPr>
-              <a:t>])</a:t>
-            </a:r>
-          </a:p>
-          <a:p>
-            <a:pPr lvl="0" marL="1270000" indent="0">
-              <a:buNone/>
-            </a:pPr>
-            <a:r>
-              <a:rPr sz="1800">
-                <a:latin typeface="Courier"/>
-              </a:rPr>
-              <a:t>## [1] "world"</a:t>
-            </a:r>
-          </a:p>
-          <a:p>
-            <a:pPr lvl="0" marL="1270000" indent="0">
-              <a:buNone/>
-            </a:pPr>
-            <a:r>
-              <a:rPr sz="1800" b="1">
-                <a:solidFill>
-                  <a:srgbClr val="007020"/>
-                </a:solidFill>
-                <a:latin typeface="Courier"/>
-              </a:rPr>
-              <a:t>print</a:t>
-            </a:r>
-            <a:r>
-              <a:rPr sz="1800">
-                <a:latin typeface="Courier"/>
-              </a:rPr>
-              <a:t>(x[</a:t>
-            </a:r>
-            <a:r>
-              <a:rPr sz="1800">
-                <a:solidFill>
-                  <a:srgbClr val="40A070"/>
-                </a:solidFill>
-                <a:latin typeface="Courier"/>
-              </a:rPr>
-              <a:t>5</a:t>
-            </a:r>
-            <a:r>
-              <a:rPr sz="1800">
-                <a:latin typeface="Courier"/>
-              </a:rPr>
-              <a:t>])</a:t>
-            </a:r>
-          </a:p>
-          <a:p>
-            <a:pPr lvl="0" marL="1270000" indent="0">
+            <a:pPr marL="1270000" lvl="0" indent="0">
               <a:buNone/>
             </a:pPr>
             <a:r>
@@ -7575,6 +7065,9 @@
       </p:sp>
     </p:spTree>
   </p:cSld>
+  <p:clrMapOvr>
+    <a:masterClrMapping/>
+  </p:clrMapOvr>
 </p:sld>
 </file>
 
@@ -7616,36 +7109,11 @@
           <a:bodyPr/>
           <a:lstStyle/>
           <a:p>
-            <a:pPr lvl="0" marL="0" indent="0">
+            <a:pPr marL="0" lvl="0" indent="0">
               <a:buNone/>
             </a:pPr>
             <a:r>
-              <a:rPr/>
-              <a:t>Example</a:t>
-            </a:r>
-            <a:r>
-              <a:rPr/>
-              <a:t> </a:t>
-            </a:r>
-            <a:r>
-              <a:rPr/>
-              <a:t>6</a:t>
-            </a:r>
-            <a:r>
-              <a:rPr/>
-              <a:t> </a:t>
-            </a:r>
-            <a:r>
-              <a:rPr/>
-              <a:t>-</a:t>
-            </a:r>
-            <a:r>
-              <a:rPr/>
-              <a:t> </a:t>
-            </a:r>
-            <a:r>
-              <a:rPr/>
-              <a:t>loop</a:t>
+              <a:t>Example 6 - loop</a:t>
             </a:r>
           </a:p>
         </p:txBody>
@@ -7671,7 +7139,7 @@
           <a:bodyPr/>
           <a:lstStyle/>
           <a:p>
-            <a:pPr lvl="0" marL="1270000" indent="0">
+            <a:pPr marL="1270000" lvl="0" indent="0">
               <a:buNone/>
             </a:pPr>
             <a:r>
@@ -7889,7 +7357,7 @@
             </a:r>
           </a:p>
           <a:p>
-            <a:pPr lvl="0" marL="1270000" indent="0">
+            <a:pPr marL="1270000" lvl="0" indent="0">
               <a:buNone/>
             </a:pPr>
             <a:r>
@@ -7907,6 +7375,9 @@
       </p:sp>
     </p:spTree>
   </p:cSld>
+  <p:clrMapOvr>
+    <a:masterClrMapping/>
+  </p:clrMapOvr>
 </p:sld>
 </file>
 
@@ -7948,20 +7419,11 @@
           <a:bodyPr/>
           <a:lstStyle/>
           <a:p>
-            <a:pPr lvl="0" marL="0" indent="0">
+            <a:pPr marL="0" lvl="0" indent="0">
               <a:buNone/>
             </a:pPr>
             <a:r>
-              <a:rPr/>
-              <a:t>Practice</a:t>
-            </a:r>
-            <a:r>
-              <a:rPr/>
-              <a:t> </a:t>
-            </a:r>
-            <a:r>
-              <a:rPr/>
-              <a:t>2</a:t>
+              <a:t>Practice 2</a:t>
             </a:r>
           </a:p>
         </p:txBody>
@@ -7989,7 +7451,6 @@
           <a:p>
             <a:pPr lvl="1"/>
             <a:r>
-              <a:rPr/>
               <a:t>Write a loop that iterates across every column of </a:t>
             </a:r>
             <a:r>
@@ -7999,14 +7460,12 @@
               <a:t>cchic</a:t>
             </a:r>
             <a:r>
-              <a:rPr/>
               <a:t> and prints out the column name of each column.</a:t>
             </a:r>
           </a:p>
           <a:p>
             <a:pPr lvl="1"/>
             <a:r>
-              <a:rPr/>
               <a:t>Hint: </a:t>
             </a:r>
             <a:r>
@@ -8016,14 +7475,12 @@
               <a:t>length(cchic)</a:t>
             </a:r>
             <a:r>
-              <a:rPr/>
               <a:t> will return the number of columns.</a:t>
             </a:r>
           </a:p>
           <a:p>
             <a:pPr lvl="1"/>
             <a:r>
-              <a:rPr/>
               <a:t>Hint: </a:t>
             </a:r>
             <a:r>
@@ -8033,7 +7490,6 @@
               <a:t>print(names(cchic[1]))</a:t>
             </a:r>
             <a:r>
-              <a:rPr/>
               <a:t> will print out the contents of column 1.</a:t>
             </a:r>
           </a:p>
@@ -8041,6 +7497,9 @@
       </p:sp>
     </p:spTree>
   </p:cSld>
+  <p:clrMapOvr>
+    <a:masterClrMapping/>
+  </p:clrMapOvr>
 </p:sld>
 </file>
 
@@ -8082,11 +7541,10 @@
           <a:bodyPr/>
           <a:lstStyle/>
           <a:p>
-            <a:pPr lvl="0" marL="0" indent="0">
+            <a:pPr marL="0" lvl="0" indent="0">
               <a:buNone/>
             </a:pPr>
             <a:r>
-              <a:rPr/>
               <a:t>Answer</a:t>
             </a:r>
           </a:p>
@@ -8113,7 +7571,7 @@
           <a:bodyPr/>
           <a:lstStyle/>
           <a:p>
-            <a:pPr lvl="0" marL="1270000" indent="0">
+            <a:pPr marL="1270000" lvl="0" indent="0">
               <a:buNone/>
             </a:pPr>
             <a:r>
@@ -8242,6 +7700,9 @@
       </p:sp>
     </p:spTree>
   </p:cSld>
+  <p:clrMapOvr>
+    <a:masterClrMapping/>
+  </p:clrMapOvr>
 </p:sld>
 </file>
 
@@ -8283,44 +7744,11 @@
           <a:bodyPr/>
           <a:lstStyle/>
           <a:p>
-            <a:pPr lvl="0" marL="0" indent="0">
+            <a:pPr marL="0" lvl="0" indent="0">
               <a:buNone/>
             </a:pPr>
             <a:r>
-              <a:rPr/>
-              <a:t>Combining</a:t>
-            </a:r>
-            <a:r>
-              <a:rPr/>
-              <a:t> </a:t>
-            </a:r>
-            <a:r>
-              <a:rPr/>
-              <a:t>loops</a:t>
-            </a:r>
-            <a:r>
-              <a:rPr/>
-              <a:t> </a:t>
-            </a:r>
-            <a:r>
-              <a:rPr/>
-              <a:t>with</a:t>
-            </a:r>
-            <a:r>
-              <a:rPr/>
-              <a:t> </a:t>
-            </a:r>
-            <a:r>
-              <a:rPr/>
-              <a:t>control</a:t>
-            </a:r>
-            <a:r>
-              <a:rPr/>
-              <a:t> </a:t>
-            </a:r>
-            <a:r>
-              <a:rPr/>
-              <a:t>flow</a:t>
+              <a:t>Combining loops with control flow</a:t>
             </a:r>
           </a:p>
         </p:txBody>
@@ -8348,7 +7776,6 @@
           <a:p>
             <a:pPr lvl="1"/>
             <a:r>
-              <a:rPr/>
               <a:t>The power of looping is illustrated when you add in the flexibility of conditional statements</a:t>
             </a:r>
           </a:p>
@@ -8356,6 +7783,9 @@
       </p:sp>
     </p:spTree>
   </p:cSld>
+  <p:clrMapOvr>
+    <a:masterClrMapping/>
+  </p:clrMapOvr>
 </p:sld>
 </file>
 
@@ -8397,48 +7827,116 @@
           <a:bodyPr/>
           <a:lstStyle/>
           <a:p>
-            <a:pPr lvl="0" marL="0" indent="0">
+            <a:pPr marL="0" lvl="0" indent="0">
               <a:buNone/>
             </a:pPr>
             <a:r>
-              <a:rPr/>
-              <a:t>Example</a:t>
-            </a:r>
-            <a:r>
-              <a:rPr/>
+              <a:t>Example 7</a:t>
+            </a:r>
+          </a:p>
+        </p:txBody>
+      </p:sp>
+      <p:sp>
+        <p:nvSpPr>
+          <p:cNvPr id="3" name="Content Placeholder 2">
+            <a:extLst>
+              <a:ext uri="{FF2B5EF4-FFF2-40B4-BE49-F238E27FC236}">
+                <a16:creationId xmlns:a16="http://schemas.microsoft.com/office/drawing/2014/main" id="{D10DDA37-E46B-B641-BC9F-636CB92A2C08}"/>
+              </a:ext>
+            </a:extLst>
+          </p:cNvPr>
+          <p:cNvSpPr>
+            <a:spLocks noGrp="1"/>
+          </p:cNvSpPr>
+          <p:nvPr>
+            <p:ph idx="1"/>
+          </p:nvPr>
+        </p:nvSpPr>
+        <p:spPr/>
+        <p:txBody>
+          <a:bodyPr/>
+          <a:lstStyle/>
+          <a:p>
+            <a:pPr marL="1270000" lvl="0" indent="0">
+              <a:buNone/>
+            </a:pPr>
+            <a:r>
+              <a:rPr sz="1800" b="1">
+                <a:solidFill>
+                  <a:srgbClr val="007020"/>
+                </a:solidFill>
+                <a:latin typeface="Courier"/>
+              </a:rPr>
+              <a:t>for</a:t>
+            </a:r>
+            <a:r>
+              <a:rPr sz="1800">
+                <a:latin typeface="Courier"/>
+              </a:rPr>
+              <a:t>(i </a:t>
+            </a:r>
+            <a:r>
+              <a:rPr sz="1800" b="1">
+                <a:solidFill>
+                  <a:srgbClr val="007020"/>
+                </a:solidFill>
+                <a:latin typeface="Courier"/>
+              </a:rPr>
+              <a:t>in</a:t>
+            </a:r>
+            <a:r>
+              <a:rPr sz="1800">
+                <a:latin typeface="Courier"/>
+              </a:rPr>
               <a:t> </a:t>
             </a:r>
             <a:r>
-              <a:rPr/>
-              <a:t>7</a:t>
-            </a:r>
-          </a:p>
-        </p:txBody>
-      </p:sp>
-      <p:sp>
-        <p:nvSpPr>
-          <p:cNvPr id="3" name="Content Placeholder 2">
-            <a:extLst>
-              <a:ext uri="{FF2B5EF4-FFF2-40B4-BE49-F238E27FC236}">
-                <a16:creationId xmlns:a16="http://schemas.microsoft.com/office/drawing/2014/main" id="{D10DDA37-E46B-B641-BC9F-636CB92A2C08}"/>
-              </a:ext>
-            </a:extLst>
-          </p:cNvPr>
-          <p:cNvSpPr>
-            <a:spLocks noGrp="1"/>
-          </p:cNvSpPr>
-          <p:nvPr>
-            <p:ph idx="1"/>
-          </p:nvPr>
-        </p:nvSpPr>
-        <p:spPr/>
-        <p:txBody>
-          <a:bodyPr/>
-          <a:lstStyle/>
-          <a:p>
-            <a:pPr lvl="0" marL="1270000" indent="0">
-              <a:buNone/>
-            </a:pPr>
+              <a:rPr sz="1800">
+                <a:solidFill>
+                  <a:srgbClr val="40A070"/>
+                </a:solidFill>
+                <a:latin typeface="Courier"/>
+              </a:rPr>
+              <a:t>1</a:t>
+            </a:r>
+            <a:r>
+              <a:rPr sz="1800">
+                <a:solidFill>
+                  <a:srgbClr val="666666"/>
+                </a:solidFill>
+                <a:latin typeface="Courier"/>
+              </a:rPr>
+              <a:t>:</a:t>
+            </a:r>
+            <a:r>
+              <a:rPr sz="1800">
+                <a:solidFill>
+                  <a:srgbClr val="40A070"/>
+                </a:solidFill>
+                <a:latin typeface="Courier"/>
+              </a:rPr>
+              <a:t>5</a:t>
+            </a:r>
+            <a:r>
+              <a:rPr sz="1800">
+                <a:latin typeface="Courier"/>
+              </a:rPr>
+              <a:t>){</a:t>
+            </a:r>
+            <a:br/>
+            <a:r>
+              <a:rPr sz="1800">
+                <a:latin typeface="Courier"/>
+              </a:rPr>
+              <a:t>  </a:t>
+            </a:r>
+            <a:br/>
+            <a:r>
+              <a:rPr sz="1800">
+                <a:latin typeface="Courier"/>
+              </a:rPr>
+              <a:t>  </a:t>
+            </a:r>
             <a:r>
               <a:rPr sz="1800" b="1">
                 <a:solidFill>
@@ -8446,7 +7944,7 @@
                 </a:solidFill>
                 <a:latin typeface="Courier"/>
               </a:rPr>
-              <a:t>for</a:t>
+              <a:t>if</a:t>
             </a:r>
             <a:r>
               <a:rPr sz="1800">
@@ -8455,66 +7953,95 @@
               <a:t>(i </a:t>
             </a:r>
             <a:r>
+              <a:rPr sz="1800">
+                <a:solidFill>
+                  <a:srgbClr val="666666"/>
+                </a:solidFill>
+                <a:latin typeface="Courier"/>
+              </a:rPr>
+              <a:t>==</a:t>
+            </a:r>
+            <a:r>
+              <a:rPr sz="1800">
+                <a:solidFill>
+                  <a:srgbClr val="4070A0"/>
+                </a:solidFill>
+                <a:latin typeface="Courier"/>
+              </a:rPr>
+              <a:t> </a:t>
+            </a:r>
+            <a:r>
+              <a:rPr sz="1800">
+                <a:solidFill>
+                  <a:srgbClr val="40A070"/>
+                </a:solidFill>
+                <a:latin typeface="Courier"/>
+              </a:rPr>
+              <a:t>1</a:t>
+            </a:r>
+            <a:r>
+              <a:rPr sz="1800">
+                <a:latin typeface="Courier"/>
+              </a:rPr>
+              <a:t>){</a:t>
+            </a:r>
+            <a:br/>
+            <a:r>
+              <a:rPr sz="1800">
+                <a:latin typeface="Courier"/>
+              </a:rPr>
+              <a:t>    </a:t>
+            </a:r>
+            <a:br/>
+            <a:r>
+              <a:rPr sz="1800">
+                <a:latin typeface="Courier"/>
+              </a:rPr>
+              <a:t>    </a:t>
+            </a:r>
+            <a:r>
               <a:rPr sz="1800" b="1">
                 <a:solidFill>
                   <a:srgbClr val="007020"/>
                 </a:solidFill>
                 <a:latin typeface="Courier"/>
               </a:rPr>
-              <a:t>in</a:t>
-            </a:r>
-            <a:r>
-              <a:rPr sz="1800">
-                <a:latin typeface="Courier"/>
-              </a:rPr>
-              <a:t> </a:t>
-            </a:r>
-            <a:r>
-              <a:rPr sz="1800">
-                <a:solidFill>
-                  <a:srgbClr val="40A070"/>
-                </a:solidFill>
-                <a:latin typeface="Courier"/>
-              </a:rPr>
-              <a:t>1</a:t>
-            </a:r>
-            <a:r>
-              <a:rPr sz="1800">
-                <a:solidFill>
-                  <a:srgbClr val="666666"/>
-                </a:solidFill>
-                <a:latin typeface="Courier"/>
-              </a:rPr>
-              <a:t>:</a:t>
-            </a:r>
-            <a:r>
-              <a:rPr sz="1800">
-                <a:solidFill>
-                  <a:srgbClr val="40A070"/>
-                </a:solidFill>
-                <a:latin typeface="Courier"/>
-              </a:rPr>
-              <a:t>5</a:t>
-            </a:r>
-            <a:r>
-              <a:rPr sz="1800">
-                <a:latin typeface="Courier"/>
-              </a:rPr>
-              <a:t>){</a:t>
+              <a:t>print</a:t>
+            </a:r>
+            <a:r>
+              <a:rPr sz="1800">
+                <a:latin typeface="Courier"/>
+              </a:rPr>
+              <a:t>(</a:t>
+            </a:r>
+            <a:r>
+              <a:rPr sz="1800">
+                <a:solidFill>
+                  <a:srgbClr val="4070A0"/>
+                </a:solidFill>
+                <a:latin typeface="Courier"/>
+              </a:rPr>
+              <a:t>"one"</a:t>
+            </a:r>
+            <a:r>
+              <a:rPr sz="1800">
+                <a:latin typeface="Courier"/>
+              </a:rPr>
+              <a:t>)</a:t>
             </a:r>
             <a:br/>
             <a:r>
               <a:rPr sz="1800">
                 <a:latin typeface="Courier"/>
               </a:rPr>
-              <a:t>  </a:t>
+              <a:t>    </a:t>
             </a:r>
             <a:br/>
             <a:r>
               <a:rPr sz="1800">
                 <a:latin typeface="Courier"/>
               </a:rPr>
-              <a:t>  </a:t>
+              <a:t>  }</a:t>
             </a:r>
             <a:r>
               <a:rPr sz="1800" b="1">
@@ -8523,46 +8050,13 @@
                 </a:solidFill>
                 <a:latin typeface="Courier"/>
               </a:rPr>
-              <a:t>if</a:t>
-            </a:r>
-            <a:r>
-              <a:rPr sz="1800">
-                <a:latin typeface="Courier"/>
-              </a:rPr>
-              <a:t>(i </a:t>
-            </a:r>
-            <a:r>
-              <a:rPr sz="1800">
-                <a:solidFill>
-                  <a:srgbClr val="666666"/>
-                </a:solidFill>
-                <a:latin typeface="Courier"/>
-              </a:rPr>
-              <a:t>==</a:t>
-            </a:r>
-            <a:r>
-              <a:rPr sz="1800">
-                <a:solidFill>
-                  <a:srgbClr val="4070A0"/>
-                </a:solidFill>
-                <a:latin typeface="Courier"/>
-              </a:rPr>
-              <a:t> </a:t>
-            </a:r>
-            <a:r>
-              <a:rPr sz="1800">
-                <a:solidFill>
-                  <a:srgbClr val="40A070"/>
-                </a:solidFill>
-                <a:latin typeface="Courier"/>
-              </a:rPr>
-              <a:t>1</a:t>
-            </a:r>
-            <a:r>
-              <a:rPr sz="1800">
-                <a:latin typeface="Courier"/>
-              </a:rPr>
-              <a:t>){</a:t>
+              <a:t>else</a:t>
+            </a:r>
+            <a:r>
+              <a:rPr sz="1800">
+                <a:latin typeface="Courier"/>
+              </a:rPr>
+              <a:t>{</a:t>
             </a:r>
             <a:br/>
             <a:r>
@@ -8591,22 +8085,7 @@
               <a:rPr sz="1800">
                 <a:latin typeface="Courier"/>
               </a:rPr>
-              <a:t>(</a:t>
-            </a:r>
-            <a:r>
-              <a:rPr sz="1800">
-                <a:solidFill>
-                  <a:srgbClr val="4070A0"/>
-                </a:solidFill>
-                <a:latin typeface="Courier"/>
-              </a:rPr>
-              <a:t>"one"</a:t>
-            </a:r>
-            <a:r>
-              <a:rPr sz="1800">
-                <a:latin typeface="Courier"/>
-              </a:rPr>
-              <a:t>)</a:t>
+              <a:t>(i)</a:t>
             </a:r>
             <a:br/>
             <a:r>
@@ -8622,74 +8101,16 @@
               </a:rPr>
               <a:t>  }</a:t>
             </a:r>
-            <a:r>
-              <a:rPr sz="1800" b="1">
-                <a:solidFill>
-                  <a:srgbClr val="007020"/>
-                </a:solidFill>
-                <a:latin typeface="Courier"/>
-              </a:rPr>
-              <a:t>else</a:t>
-            </a:r>
-            <a:r>
-              <a:rPr sz="1800">
-                <a:latin typeface="Courier"/>
-              </a:rPr>
-              <a:t>{</a:t>
-            </a:r>
             <a:br/>
             <a:r>
               <a:rPr sz="1800">
                 <a:latin typeface="Courier"/>
               </a:rPr>
-              <a:t>    </a:t>
-            </a:r>
-            <a:br/>
-            <a:r>
-              <a:rPr sz="1800">
-                <a:latin typeface="Courier"/>
-              </a:rPr>
-              <a:t>    </a:t>
-            </a:r>
-            <a:r>
-              <a:rPr sz="1800" b="1">
-                <a:solidFill>
-                  <a:srgbClr val="007020"/>
-                </a:solidFill>
-                <a:latin typeface="Courier"/>
-              </a:rPr>
-              <a:t>print</a:t>
-            </a:r>
-            <a:r>
-              <a:rPr sz="1800">
-                <a:latin typeface="Courier"/>
-              </a:rPr>
-              <a:t>(i)</a:t>
-            </a:r>
-            <a:br/>
-            <a:r>
-              <a:rPr sz="1800">
-                <a:latin typeface="Courier"/>
-              </a:rPr>
-              <a:t>    </a:t>
-            </a:r>
-            <a:br/>
-            <a:r>
-              <a:rPr sz="1800">
-                <a:latin typeface="Courier"/>
-              </a:rPr>
-              <a:t>  }</a:t>
-            </a:r>
-            <a:br/>
-            <a:r>
-              <a:rPr sz="1800">
-                <a:latin typeface="Courier"/>
-              </a:rPr>
               <a:t>}</a:t>
             </a:r>
           </a:p>
           <a:p>
-            <a:pPr lvl="0" marL="1270000" indent="0">
+            <a:pPr marL="1270000" lvl="0" indent="0">
               <a:buNone/>
             </a:pPr>
             <a:r>
@@ -8707,6 +8128,9 @@
       </p:sp>
     </p:spTree>
   </p:cSld>
+  <p:clrMapOvr>
+    <a:masterClrMapping/>
+  </p:clrMapOvr>
 </p:sld>
 </file>
 
@@ -8748,48 +8172,132 @@
           <a:bodyPr/>
           <a:lstStyle/>
           <a:p>
-            <a:pPr lvl="0" marL="0" indent="0">
+            <a:pPr marL="0" lvl="0" indent="0">
               <a:buNone/>
             </a:pPr>
             <a:r>
-              <a:rPr/>
-              <a:t>Example</a:t>
-            </a:r>
-            <a:r>
-              <a:rPr/>
+              <a:t>Example 8</a:t>
+            </a:r>
+          </a:p>
+        </p:txBody>
+      </p:sp>
+      <p:sp>
+        <p:nvSpPr>
+          <p:cNvPr id="3" name="Content Placeholder 2">
+            <a:extLst>
+              <a:ext uri="{FF2B5EF4-FFF2-40B4-BE49-F238E27FC236}">
+                <a16:creationId xmlns:a16="http://schemas.microsoft.com/office/drawing/2014/main" id="{D10DDA37-E46B-B641-BC9F-636CB92A2C08}"/>
+              </a:ext>
+            </a:extLst>
+          </p:cNvPr>
+          <p:cNvSpPr>
+            <a:spLocks noGrp="1"/>
+          </p:cNvSpPr>
+          <p:nvPr>
+            <p:ph idx="1"/>
+          </p:nvPr>
+        </p:nvSpPr>
+        <p:spPr/>
+        <p:txBody>
+          <a:bodyPr/>
+          <a:lstStyle/>
+          <a:p>
+            <a:pPr marL="1270000" lvl="0" indent="0">
+              <a:buNone/>
+            </a:pPr>
+            <a:r>
+              <a:rPr sz="1800" b="1">
+                <a:solidFill>
+                  <a:srgbClr val="007020"/>
+                </a:solidFill>
+                <a:latin typeface="Courier"/>
+              </a:rPr>
+              <a:t>for</a:t>
+            </a:r>
+            <a:r>
+              <a:rPr sz="1800">
+                <a:latin typeface="Courier"/>
+              </a:rPr>
+              <a:t>(i </a:t>
+            </a:r>
+            <a:r>
+              <a:rPr sz="1800" b="1">
+                <a:solidFill>
+                  <a:srgbClr val="007020"/>
+                </a:solidFill>
+                <a:latin typeface="Courier"/>
+              </a:rPr>
+              <a:t>in</a:t>
+            </a:r>
+            <a:r>
+              <a:rPr sz="1800">
+                <a:latin typeface="Courier"/>
+              </a:rPr>
               <a:t> </a:t>
             </a:r>
             <a:r>
-              <a:rPr/>
-              <a:t>8</a:t>
-            </a:r>
-          </a:p>
-        </p:txBody>
-      </p:sp>
-      <p:sp>
-        <p:nvSpPr>
-          <p:cNvPr id="3" name="Content Placeholder 2">
-            <a:extLst>
-              <a:ext uri="{FF2B5EF4-FFF2-40B4-BE49-F238E27FC236}">
-                <a16:creationId xmlns:a16="http://schemas.microsoft.com/office/drawing/2014/main" id="{D10DDA37-E46B-B641-BC9F-636CB92A2C08}"/>
-              </a:ext>
-            </a:extLst>
-          </p:cNvPr>
-          <p:cNvSpPr>
-            <a:spLocks noGrp="1"/>
-          </p:cNvSpPr>
-          <p:nvPr>
-            <p:ph idx="1"/>
-          </p:nvPr>
-        </p:nvSpPr>
-        <p:spPr/>
-        <p:txBody>
-          <a:bodyPr/>
-          <a:lstStyle/>
-          <a:p>
-            <a:pPr lvl="0" marL="1270000" indent="0">
-              <a:buNone/>
-            </a:pPr>
+              <a:rPr sz="1800">
+                <a:solidFill>
+                  <a:srgbClr val="40A070"/>
+                </a:solidFill>
+                <a:latin typeface="Courier"/>
+              </a:rPr>
+              <a:t>1</a:t>
+            </a:r>
+            <a:r>
+              <a:rPr sz="1800">
+                <a:solidFill>
+                  <a:srgbClr val="666666"/>
+                </a:solidFill>
+                <a:latin typeface="Courier"/>
+              </a:rPr>
+              <a:t>:</a:t>
+            </a:r>
+            <a:r>
+              <a:rPr sz="1800">
+                <a:solidFill>
+                  <a:srgbClr val="40A070"/>
+                </a:solidFill>
+                <a:latin typeface="Courier"/>
+              </a:rPr>
+              <a:t>5</a:t>
+            </a:r>
+            <a:r>
+              <a:rPr sz="1800">
+                <a:latin typeface="Courier"/>
+              </a:rPr>
+              <a:t>){</a:t>
+            </a:r>
+            <a:br/>
+            <a:r>
+              <a:rPr sz="1800">
+                <a:latin typeface="Courier"/>
+              </a:rPr>
+              <a:t>  </a:t>
+            </a:r>
+            <a:br/>
+            <a:r>
+              <a:rPr sz="1800">
+                <a:latin typeface="Courier"/>
+              </a:rPr>
+              <a:t>  </a:t>
+            </a:r>
+            <a:r>
+              <a:rPr sz="1800" i="1">
+                <a:solidFill>
+                  <a:srgbClr val="60A0B0"/>
+                </a:solidFill>
+                <a:latin typeface="Courier"/>
+              </a:rPr>
+              <a:t># the %% here checks the remainder when i is divided by 2</a:t>
+            </a:r>
+            <a:br/>
+            <a:r>
+              <a:rPr sz="1800">
+                <a:latin typeface="Courier"/>
+              </a:rPr>
+              <a:t>  </a:t>
+            </a:r>
             <a:r>
               <a:rPr sz="1800" b="1">
                 <a:solidFill>
@@ -8797,7 +8305,7 @@
                 </a:solidFill>
                 <a:latin typeface="Courier"/>
               </a:rPr>
-              <a:t>for</a:t>
+              <a:t>if</a:t>
             </a:r>
             <a:r>
               <a:rPr sz="1800">
@@ -8806,82 +8314,157 @@
               <a:t>(i </a:t>
             </a:r>
             <a:r>
+              <a:rPr sz="1800">
+                <a:solidFill>
+                  <a:srgbClr val="666666"/>
+                </a:solidFill>
+                <a:latin typeface="Courier"/>
+              </a:rPr>
+              <a:t>%%</a:t>
+            </a:r>
+            <a:r>
+              <a:rPr sz="1800">
+                <a:solidFill>
+                  <a:srgbClr val="4070A0"/>
+                </a:solidFill>
+                <a:latin typeface="Courier"/>
+              </a:rPr>
+              <a:t> </a:t>
+            </a:r>
+            <a:r>
+              <a:rPr sz="1800">
+                <a:solidFill>
+                  <a:srgbClr val="40A070"/>
+                </a:solidFill>
+                <a:latin typeface="Courier"/>
+              </a:rPr>
+              <a:t>2</a:t>
+            </a:r>
+            <a:r>
+              <a:rPr sz="1800">
+                <a:latin typeface="Courier"/>
+              </a:rPr>
+              <a:t> </a:t>
+            </a:r>
+            <a:r>
+              <a:rPr sz="1800">
+                <a:solidFill>
+                  <a:srgbClr val="666666"/>
+                </a:solidFill>
+                <a:latin typeface="Courier"/>
+              </a:rPr>
+              <a:t>==</a:t>
+            </a:r>
+            <a:r>
+              <a:rPr sz="1800">
+                <a:solidFill>
+                  <a:srgbClr val="4070A0"/>
+                </a:solidFill>
+                <a:latin typeface="Courier"/>
+              </a:rPr>
+              <a:t> </a:t>
+            </a:r>
+            <a:r>
+              <a:rPr sz="1800">
+                <a:solidFill>
+                  <a:srgbClr val="40A070"/>
+                </a:solidFill>
+                <a:latin typeface="Courier"/>
+              </a:rPr>
+              <a:t>0</a:t>
+            </a:r>
+            <a:r>
+              <a:rPr sz="1800">
+                <a:latin typeface="Courier"/>
+              </a:rPr>
+              <a:t>){</a:t>
+            </a:r>
+            <a:br/>
+            <a:r>
+              <a:rPr sz="1800">
+                <a:latin typeface="Courier"/>
+              </a:rPr>
+              <a:t>    </a:t>
+            </a:r>
+            <a:br/>
+            <a:r>
+              <a:rPr sz="1800">
+                <a:latin typeface="Courier"/>
+              </a:rPr>
+              <a:t>    </a:t>
+            </a:r>
+            <a:r>
               <a:rPr sz="1800" b="1">
                 <a:solidFill>
                   <a:srgbClr val="007020"/>
                 </a:solidFill>
                 <a:latin typeface="Courier"/>
               </a:rPr>
-              <a:t>in</a:t>
-            </a:r>
-            <a:r>
-              <a:rPr sz="1800">
-                <a:latin typeface="Courier"/>
-              </a:rPr>
-              <a:t> </a:t>
-            </a:r>
-            <a:r>
-              <a:rPr sz="1800">
-                <a:solidFill>
-                  <a:srgbClr val="40A070"/>
-                </a:solidFill>
-                <a:latin typeface="Courier"/>
-              </a:rPr>
-              <a:t>1</a:t>
-            </a:r>
-            <a:r>
-              <a:rPr sz="1800">
-                <a:solidFill>
-                  <a:srgbClr val="666666"/>
-                </a:solidFill>
-                <a:latin typeface="Courier"/>
-              </a:rPr>
-              <a:t>:</a:t>
-            </a:r>
-            <a:r>
-              <a:rPr sz="1800">
-                <a:solidFill>
-                  <a:srgbClr val="40A070"/>
-                </a:solidFill>
-                <a:latin typeface="Courier"/>
-              </a:rPr>
-              <a:t>5</a:t>
-            </a:r>
-            <a:r>
-              <a:rPr sz="1800">
-                <a:latin typeface="Courier"/>
-              </a:rPr>
-              <a:t>){</a:t>
+              <a:t>print</a:t>
+            </a:r>
+            <a:r>
+              <a:rPr sz="1800">
+                <a:latin typeface="Courier"/>
+              </a:rPr>
+              <a:t>(</a:t>
+            </a:r>
+            <a:r>
+              <a:rPr sz="1800">
+                <a:solidFill>
+                  <a:srgbClr val="4070A0"/>
+                </a:solidFill>
+                <a:latin typeface="Courier"/>
+              </a:rPr>
+              <a:t>"even"</a:t>
+            </a:r>
+            <a:r>
+              <a:rPr sz="1800">
+                <a:latin typeface="Courier"/>
+              </a:rPr>
+              <a:t>)</a:t>
             </a:r>
             <a:br/>
             <a:r>
               <a:rPr sz="1800">
                 <a:latin typeface="Courier"/>
               </a:rPr>
-              <a:t>  </a:t>
+              <a:t>    </a:t>
             </a:r>
             <a:br/>
             <a:r>
               <a:rPr sz="1800">
                 <a:latin typeface="Courier"/>
               </a:rPr>
-              <a:t>  </a:t>
-            </a:r>
-            <a:r>
-              <a:rPr sz="1800" i="1">
-                <a:solidFill>
-                  <a:srgbClr val="60A0B0"/>
-                </a:solidFill>
-                <a:latin typeface="Courier"/>
-              </a:rPr>
-              <a:t># the %% here checks the remainder when i is divided by 2</a:t>
+              <a:t>  }</a:t>
+            </a:r>
+            <a:r>
+              <a:rPr sz="1800" b="1">
+                <a:solidFill>
+                  <a:srgbClr val="007020"/>
+                </a:solidFill>
+                <a:latin typeface="Courier"/>
+              </a:rPr>
+              <a:t>else</a:t>
+            </a:r>
+            <a:r>
+              <a:rPr sz="1800">
+                <a:latin typeface="Courier"/>
+              </a:rPr>
+              <a:t>{</a:t>
             </a:r>
             <a:br/>
             <a:r>
               <a:rPr sz="1800">
                 <a:latin typeface="Courier"/>
               </a:rPr>
-              <a:t>  </a:t>
+              <a:t>    </a:t>
+            </a:r>
+            <a:br/>
+            <a:r>
+              <a:rPr sz="1800">
+                <a:latin typeface="Courier"/>
+              </a:rPr>
+              <a:t>    </a:t>
             </a:r>
             <a:r>
               <a:rPr sz="1800" b="1">
@@ -8890,22 +8473,13 @@
                 </a:solidFill>
                 <a:latin typeface="Courier"/>
               </a:rPr>
-              <a:t>if</a:t>
-            </a:r>
-            <a:r>
-              <a:rPr sz="1800">
-                <a:latin typeface="Courier"/>
-              </a:rPr>
-              <a:t>(i </a:t>
-            </a:r>
-            <a:r>
-              <a:rPr sz="1800">
-                <a:solidFill>
-                  <a:srgbClr val="666666"/>
-                </a:solidFill>
-                <a:latin typeface="Courier"/>
-              </a:rPr>
-              <a:t>%%</a:t>
+              <a:t>print</a:t>
+            </a:r>
+            <a:r>
+              <a:rPr sz="1800">
+                <a:latin typeface="Courier"/>
+              </a:rPr>
+              <a:t>(</a:t>
             </a:r>
             <a:r>
               <a:rPr sz="1800">
@@ -8914,55 +8488,13 @@
                 </a:solidFill>
                 <a:latin typeface="Courier"/>
               </a:rPr>
-              <a:t> </a:t>
-            </a:r>
-            <a:r>
-              <a:rPr sz="1800">
-                <a:solidFill>
-                  <a:srgbClr val="40A070"/>
-                </a:solidFill>
-                <a:latin typeface="Courier"/>
-              </a:rPr>
-              <a:t>2</a:t>
-            </a:r>
-            <a:r>
-              <a:rPr sz="1800">
-                <a:latin typeface="Courier"/>
-              </a:rPr>
-              <a:t> </a:t>
-            </a:r>
-            <a:r>
-              <a:rPr sz="1800">
-                <a:solidFill>
-                  <a:srgbClr val="666666"/>
-                </a:solidFill>
-                <a:latin typeface="Courier"/>
-              </a:rPr>
-              <a:t>==</a:t>
-            </a:r>
-            <a:r>
-              <a:rPr sz="1800">
-                <a:solidFill>
-                  <a:srgbClr val="4070A0"/>
-                </a:solidFill>
-                <a:latin typeface="Courier"/>
-              </a:rPr>
-              <a:t> </a:t>
-            </a:r>
-            <a:r>
-              <a:rPr sz="1800">
-                <a:solidFill>
-                  <a:srgbClr val="40A070"/>
-                </a:solidFill>
-                <a:latin typeface="Courier"/>
-              </a:rPr>
-              <a:t>0</a:t>
-            </a:r>
-            <a:r>
-              <a:rPr sz="1800">
-                <a:latin typeface="Courier"/>
-              </a:rPr>
-              <a:t>){</a:t>
+              <a:t>"odd"</a:t>
+            </a:r>
+            <a:r>
+              <a:rPr sz="1800">
+                <a:latin typeface="Courier"/>
+              </a:rPr>
+              <a:t>)</a:t>
             </a:r>
             <a:br/>
             <a:r>
@@ -8976,135 +8508,18 @@
               <a:rPr sz="1800">
                 <a:latin typeface="Courier"/>
               </a:rPr>
-              <a:t>    </a:t>
-            </a:r>
-            <a:r>
-              <a:rPr sz="1800" b="1">
-                <a:solidFill>
-                  <a:srgbClr val="007020"/>
-                </a:solidFill>
-                <a:latin typeface="Courier"/>
-              </a:rPr>
-              <a:t>print</a:t>
-            </a:r>
-            <a:r>
-              <a:rPr sz="1800">
-                <a:latin typeface="Courier"/>
-              </a:rPr>
-              <a:t>(</a:t>
-            </a:r>
-            <a:r>
-              <a:rPr sz="1800">
-                <a:solidFill>
-                  <a:srgbClr val="4070A0"/>
-                </a:solidFill>
-                <a:latin typeface="Courier"/>
-              </a:rPr>
-              <a:t>"even"</a:t>
-            </a:r>
-            <a:r>
-              <a:rPr sz="1800">
-                <a:latin typeface="Courier"/>
-              </a:rPr>
-              <a:t>)</a:t>
+              <a:t>  }</a:t>
             </a:r>
             <a:br/>
             <a:r>
               <a:rPr sz="1800">
                 <a:latin typeface="Courier"/>
               </a:rPr>
-              <a:t>    </a:t>
-            </a:r>
-            <a:br/>
-            <a:r>
-              <a:rPr sz="1800">
-                <a:latin typeface="Courier"/>
-              </a:rPr>
-              <a:t>  }</a:t>
-            </a:r>
-            <a:r>
-              <a:rPr sz="1800" b="1">
-                <a:solidFill>
-                  <a:srgbClr val="007020"/>
-                </a:solidFill>
-                <a:latin typeface="Courier"/>
-              </a:rPr>
-              <a:t>else</a:t>
-            </a:r>
-            <a:r>
-              <a:rPr sz="1800">
-                <a:latin typeface="Courier"/>
-              </a:rPr>
-              <a:t>{</a:t>
-            </a:r>
-            <a:br/>
-            <a:r>
-              <a:rPr sz="1800">
-                <a:latin typeface="Courier"/>
-              </a:rPr>
-              <a:t>    </a:t>
-            </a:r>
-            <a:br/>
-            <a:r>
-              <a:rPr sz="1800">
-                <a:latin typeface="Courier"/>
-              </a:rPr>
-              <a:t>    </a:t>
-            </a:r>
-            <a:r>
-              <a:rPr sz="1800" b="1">
-                <a:solidFill>
-                  <a:srgbClr val="007020"/>
-                </a:solidFill>
-                <a:latin typeface="Courier"/>
-              </a:rPr>
-              <a:t>print</a:t>
-            </a:r>
-            <a:r>
-              <a:rPr sz="1800">
-                <a:latin typeface="Courier"/>
-              </a:rPr>
-              <a:t>(</a:t>
-            </a:r>
-            <a:r>
-              <a:rPr sz="1800">
-                <a:solidFill>
-                  <a:srgbClr val="4070A0"/>
-                </a:solidFill>
-                <a:latin typeface="Courier"/>
-              </a:rPr>
-              <a:t>"odd"</a:t>
-            </a:r>
-            <a:r>
-              <a:rPr sz="1800">
-                <a:latin typeface="Courier"/>
-              </a:rPr>
-              <a:t>)</a:t>
-            </a:r>
-            <a:br/>
-            <a:r>
-              <a:rPr sz="1800">
-                <a:latin typeface="Courier"/>
-              </a:rPr>
-              <a:t>    </a:t>
-            </a:r>
-            <a:br/>
-            <a:r>
-              <a:rPr sz="1800">
-                <a:latin typeface="Courier"/>
-              </a:rPr>
-              <a:t>  }</a:t>
-            </a:r>
-            <a:br/>
-            <a:r>
-              <a:rPr sz="1800">
-                <a:latin typeface="Courier"/>
-              </a:rPr>
               <a:t>}</a:t>
             </a:r>
           </a:p>
           <a:p>
-            <a:pPr lvl="0" marL="1270000" indent="0">
+            <a:pPr marL="1270000" lvl="0" indent="0">
               <a:buNone/>
             </a:pPr>
             <a:r>
@@ -9122,6 +8537,9 @@
       </p:sp>
     </p:spTree>
   </p:cSld>
+  <p:clrMapOvr>
+    <a:masterClrMapping/>
+  </p:clrMapOvr>
 </p:sld>
 </file>
 
@@ -9163,11 +8581,10 @@
           <a:bodyPr/>
           <a:lstStyle/>
           <a:p>
-            <a:pPr lvl="0" marL="0" indent="0">
+            <a:pPr marL="0" lvl="0" indent="0">
               <a:buNone/>
             </a:pPr>
             <a:r>
-              <a:rPr/>
               <a:t>Outline</a:t>
             </a:r>
           </a:p>
@@ -9200,21 +8617,18 @@
               <a:t>Concept</a:t>
             </a:r>
             <a:r>
-              <a:rPr/>
               <a:t> + practice = expert</a:t>
             </a:r>
           </a:p>
           <a:p>
             <a:pPr lvl="1"/>
             <a:r>
-              <a:rPr/>
               <a:t>Conditional statements</a:t>
             </a:r>
           </a:p>
           <a:p>
             <a:pPr lvl="1"/>
             <a:r>
-              <a:rPr/>
               <a:t>Looping fundamentals</a:t>
             </a:r>
           </a:p>
@@ -9222,6 +8636,9 @@
       </p:sp>
     </p:spTree>
   </p:cSld>
+  <p:clrMapOvr>
+    <a:masterClrMapping/>
+  </p:clrMapOvr>
 </p:sld>
 </file>
 
@@ -9263,20 +8680,11 @@
           <a:bodyPr/>
           <a:lstStyle/>
           <a:p>
-            <a:pPr lvl="0" marL="0" indent="0">
+            <a:pPr marL="0" lvl="0" indent="0">
               <a:buNone/>
             </a:pPr>
             <a:r>
-              <a:rPr/>
-              <a:t>Practice</a:t>
-            </a:r>
-            <a:r>
-              <a:rPr/>
-              <a:t> </a:t>
-            </a:r>
-            <a:r>
-              <a:rPr/>
-              <a:t>3</a:t>
+              <a:t>Practice 3</a:t>
             </a:r>
           </a:p>
         </p:txBody>
@@ -9304,7 +8712,6 @@
           <a:p>
             <a:pPr lvl="1"/>
             <a:r>
-              <a:rPr/>
               <a:t>Question: How do we calculate the mean of every numeric variable in </a:t>
             </a:r>
             <a:r>
@@ -9314,21 +8721,18 @@
               <a:t>chicc</a:t>
             </a:r>
             <a:r>
-              <a:rPr/>
               <a:t> and print it out?</a:t>
             </a:r>
           </a:p>
           <a:p>
             <a:pPr lvl="1"/>
             <a:r>
-              <a:rPr/>
               <a:t>How would we do this manually?</a:t>
             </a:r>
           </a:p>
           <a:p>
             <a:pPr lvl="1"/>
             <a:r>
-              <a:rPr/>
               <a:t>Hint: to check whether something is a numeric variable use </a:t>
             </a:r>
             <a:r>
@@ -9342,6 +8746,9 @@
       </p:sp>
     </p:spTree>
   </p:cSld>
+  <p:clrMapOvr>
+    <a:masterClrMapping/>
+  </p:clrMapOvr>
 </p:sld>
 </file>
 
@@ -9383,28 +8790,11 @@
           <a:bodyPr/>
           <a:lstStyle/>
           <a:p>
-            <a:pPr lvl="0" marL="0" indent="0">
+            <a:pPr marL="0" lvl="0" indent="0">
               <a:buNone/>
             </a:pPr>
             <a:r>
-              <a:rPr/>
-              <a:t>Answer</a:t>
-            </a:r>
-            <a:r>
-              <a:rPr/>
-              <a:t> </a:t>
-            </a:r>
-            <a:r>
-              <a:rPr/>
-              <a:t>-</a:t>
-            </a:r>
-            <a:r>
-              <a:rPr/>
-              <a:t> </a:t>
-            </a:r>
-            <a:r>
-              <a:rPr/>
-              <a:t>manual</a:t>
+              <a:t>Answer - manual</a:t>
             </a:r>
           </a:p>
         </p:txBody>
@@ -9430,7 +8820,7 @@
           <a:bodyPr/>
           <a:lstStyle/>
           <a:p>
-            <a:pPr lvl="0" marL="1270000" indent="0">
+            <a:pPr marL="1270000" lvl="0" indent="0">
               <a:buNone/>
             </a:pPr>
             <a:r>
@@ -9480,7 +8870,7 @@
             </a:r>
           </a:p>
           <a:p>
-            <a:pPr lvl="0" marL="1270000" indent="0">
+            <a:pPr marL="1270000" lvl="0" indent="0">
               <a:buNone/>
             </a:pPr>
             <a:r>
@@ -9491,7 +8881,7 @@
             </a:r>
           </a:p>
           <a:p>
-            <a:pPr lvl="0" marL="1270000" indent="0">
+            <a:pPr marL="1270000" lvl="0" indent="0">
               <a:buNone/>
             </a:pPr>
             <a:r>
@@ -9541,7 +8931,7 @@
             </a:r>
           </a:p>
           <a:p>
-            <a:pPr lvl="0" marL="1270000" indent="0">
+            <a:pPr marL="1270000" lvl="0" indent="0">
               <a:buNone/>
             </a:pPr>
             <a:r>
@@ -9552,7 +8942,7 @@
             </a:r>
           </a:p>
           <a:p>
-            <a:pPr lvl="0" marL="1270000" indent="0">
+            <a:pPr marL="1270000" lvl="0" indent="0">
               <a:buNone/>
             </a:pPr>
             <a:r>
@@ -9602,7 +8992,7 @@
             </a:r>
           </a:p>
           <a:p>
-            <a:pPr lvl="0" marL="1270000" indent="0">
+            <a:pPr marL="1270000" lvl="0" indent="0">
               <a:buNone/>
             </a:pPr>
             <a:r>
@@ -9613,7 +9003,7 @@
             </a:r>
           </a:p>
           <a:p>
-            <a:pPr lvl="0" marL="1270000" indent="0">
+            <a:pPr marL="1270000" lvl="0" indent="0">
               <a:buNone/>
             </a:pPr>
             <a:r>
@@ -9663,7 +9053,7 @@
             </a:r>
           </a:p>
           <a:p>
-            <a:pPr lvl="0" marL="1270000" indent="0">
+            <a:pPr marL="1270000" lvl="0" indent="0">
               <a:buNone/>
             </a:pPr>
             <a:r>
@@ -9674,7 +9064,7 @@
             </a:r>
           </a:p>
           <a:p>
-            <a:pPr lvl="0" marL="1270000" indent="0">
+            <a:pPr marL="1270000" lvl="0" indent="0">
               <a:buNone/>
             </a:pPr>
             <a:r>
@@ -9724,7 +9114,7 @@
             </a:r>
           </a:p>
           <a:p>
-            <a:pPr lvl="0" marL="1270000" indent="0">
+            <a:pPr marL="1270000" lvl="0" indent="0">
               <a:buNone/>
             </a:pPr>
             <a:r>
@@ -9735,7 +9125,7 @@
             </a:r>
           </a:p>
           <a:p>
-            <a:pPr lvl="0" marL="1270000" indent="0">
+            <a:pPr marL="1270000" lvl="0" indent="0">
               <a:buNone/>
             </a:pPr>
             <a:r>
@@ -9752,6 +9142,9 @@
       </p:sp>
     </p:spTree>
   </p:cSld>
+  <p:clrMapOvr>
+    <a:masterClrMapping/>
+  </p:clrMapOvr>
 </p:sld>
 </file>
 
@@ -9793,28 +9186,11 @@
           <a:bodyPr/>
           <a:lstStyle/>
           <a:p>
-            <a:pPr lvl="0" marL="0" indent="0">
+            <a:pPr marL="0" lvl="0" indent="0">
               <a:buNone/>
             </a:pPr>
             <a:r>
-              <a:rPr/>
-              <a:t>Answer</a:t>
-            </a:r>
-            <a:r>
-              <a:rPr/>
-              <a:t> </a:t>
-            </a:r>
-            <a:r>
-              <a:rPr/>
-              <a:t>-</a:t>
-            </a:r>
-            <a:r>
-              <a:rPr/>
-              <a:t> </a:t>
-            </a:r>
-            <a:r>
-              <a:rPr/>
-              <a:t>loop</a:t>
+              <a:t>Answer - loop</a:t>
             </a:r>
           </a:p>
         </p:txBody>
@@ -9840,7 +9216,7 @@
           <a:bodyPr/>
           <a:lstStyle/>
           <a:p>
-            <a:pPr lvl="0" marL="1270000" indent="0">
+            <a:pPr marL="1270000" lvl="0" indent="0">
               <a:buNone/>
             </a:pPr>
             <a:r>
@@ -10071,6 +9447,9 @@
       </p:sp>
     </p:spTree>
   </p:cSld>
+  <p:clrMapOvr>
+    <a:masterClrMapping/>
+  </p:clrMapOvr>
 </p:sld>
 </file>
 
@@ -10112,20 +9491,11 @@
           <a:bodyPr/>
           <a:lstStyle/>
           <a:p>
-            <a:pPr lvl="0" marL="0" indent="0">
+            <a:pPr marL="0" lvl="0" indent="0">
               <a:buNone/>
             </a:pPr>
             <a:r>
-              <a:rPr/>
-              <a:t>Go</a:t>
-            </a:r>
-            <a:r>
-              <a:rPr/>
-              <a:t> </a:t>
-            </a:r>
-            <a:r>
-              <a:rPr/>
-              <a:t>loopy!</a:t>
+              <a:t>Go loopy!</a:t>
             </a:r>
           </a:p>
         </p:txBody>
@@ -10153,14 +9523,12 @@
           <a:p>
             <a:pPr lvl="1"/>
             <a:r>
-              <a:rPr/>
               <a:t>Lots of practice, lot’s of errors!</a:t>
             </a:r>
           </a:p>
           <a:p>
             <a:pPr lvl="1"/>
             <a:r>
-              <a:rPr/>
               <a:t>But eventually, you’ll never look back</a:t>
             </a:r>
           </a:p>
@@ -10168,6 +9536,9 @@
       </p:sp>
     </p:spTree>
   </p:cSld>
+  <p:clrMapOvr>
+    <a:masterClrMapping/>
+  </p:clrMapOvr>
 </p:sld>
 </file>
 
@@ -10209,28 +9580,11 @@
           <a:bodyPr/>
           <a:lstStyle/>
           <a:p>
-            <a:pPr lvl="0" marL="0" indent="0">
+            <a:pPr marL="0" lvl="0" indent="0">
               <a:buNone/>
             </a:pPr>
             <a:r>
-              <a:rPr/>
-              <a:t>You</a:t>
-            </a:r>
-            <a:r>
-              <a:rPr/>
-              <a:t> </a:t>
-            </a:r>
-            <a:r>
-              <a:rPr/>
-              <a:t>will</a:t>
-            </a:r>
-            <a:r>
-              <a:rPr/>
-              <a:t> </a:t>
-            </a:r>
-            <a:r>
-              <a:rPr/>
-              <a:t>learn</a:t>
+              <a:t>You will learn</a:t>
             </a:r>
           </a:p>
         </p:txBody>
@@ -10258,28 +9612,24 @@
           <a:p>
             <a:pPr lvl="1"/>
             <a:r>
-              <a:rPr/>
               <a:t>When might I want to restrict use a conditional statement?</a:t>
             </a:r>
           </a:p>
           <a:p>
             <a:pPr lvl="1"/>
             <a:r>
-              <a:rPr/>
               <a:t>How do I write an if else statement?</a:t>
             </a:r>
           </a:p>
           <a:p>
             <a:pPr lvl="1"/>
             <a:r>
-              <a:rPr/>
               <a:t>What is the basic structure of a loop?</a:t>
             </a:r>
           </a:p>
           <a:p>
             <a:pPr lvl="1"/>
             <a:r>
-              <a:rPr/>
               <a:t>Why are loops important?</a:t>
             </a:r>
           </a:p>
@@ -10287,6 +9637,9 @@
       </p:sp>
     </p:spTree>
   </p:cSld>
+  <p:clrMapOvr>
+    <a:masterClrMapping/>
+  </p:clrMapOvr>
 </p:sld>
 </file>
 
@@ -10328,28 +9681,11 @@
           <a:bodyPr/>
           <a:lstStyle/>
           <a:p>
-            <a:pPr lvl="0" marL="0" indent="0">
+            <a:pPr marL="0" lvl="0" indent="0">
               <a:buNone/>
             </a:pPr>
             <a:r>
-              <a:rPr/>
-              <a:t>Before</a:t>
-            </a:r>
-            <a:r>
-              <a:rPr/>
-              <a:t> </a:t>
-            </a:r>
-            <a:r>
-              <a:rPr/>
-              <a:t>we</a:t>
-            </a:r>
-            <a:r>
-              <a:rPr/>
-              <a:t> </a:t>
-            </a:r>
-            <a:r>
-              <a:rPr/>
-              <a:t>start</a:t>
+              <a:t>Before we start</a:t>
             </a:r>
           </a:p>
         </p:txBody>
@@ -10377,7 +9713,6 @@
           <a:p>
             <a:pPr lvl="1"/>
             <a:r>
-              <a:rPr/>
               <a:t>Again, please make sure the </a:t>
             </a:r>
             <a:r>
@@ -10387,14 +9722,12 @@
               <a:t>cchic</a:t>
             </a:r>
             <a:r>
-              <a:rPr/>
               <a:t> dataframe is loaded into your R environment</a:t>
             </a:r>
           </a:p>
           <a:p>
             <a:pPr lvl="1"/>
             <a:r>
-              <a:rPr/>
               <a:t>Please download Workshop7.R via </a:t>
             </a:r>
             <a:r>
@@ -10407,7 +9740,6 @@
           <a:p>
             <a:pPr lvl="1"/>
             <a:r>
-              <a:rPr/>
               <a:t>Question: How do we calculate the mean of every numeric variable in </a:t>
             </a:r>
             <a:r>
@@ -10417,7 +9749,6 @@
               <a:t>chicc</a:t>
             </a:r>
             <a:r>
-              <a:rPr/>
               <a:t> and print it out?</a:t>
             </a:r>
           </a:p>
@@ -10425,6 +9756,9 @@
       </p:sp>
     </p:spTree>
   </p:cSld>
+  <p:clrMapOvr>
+    <a:masterClrMapping/>
+  </p:clrMapOvr>
 </p:sld>
 </file>
 
@@ -10466,28 +9800,11 @@
           <a:bodyPr/>
           <a:lstStyle/>
           <a:p>
-            <a:pPr lvl="0" marL="0" indent="0">
+            <a:pPr marL="0" lvl="0" indent="0">
               <a:buNone/>
             </a:pPr>
             <a:r>
-              <a:rPr/>
-              <a:t>Control</a:t>
-            </a:r>
-            <a:r>
-              <a:rPr/>
-              <a:t> </a:t>
-            </a:r>
-            <a:r>
-              <a:rPr/>
-              <a:t>flow</a:t>
-            </a:r>
-            <a:r>
-              <a:rPr/>
-              <a:t> </a:t>
-            </a:r>
-            <a:r>
-              <a:rPr/>
-              <a:t>inituition</a:t>
+              <a:t>Control flow inituition</a:t>
             </a:r>
           </a:p>
         </p:txBody>
@@ -10515,21 +9832,18 @@
           <a:p>
             <a:pPr lvl="1"/>
             <a:r>
-              <a:rPr/>
               <a:t>In the case of a particular event, do action x</a:t>
             </a:r>
           </a:p>
           <a:p>
             <a:pPr lvl="1"/>
             <a:r>
-              <a:rPr/>
               <a:t>Permits flexibility</a:t>
             </a:r>
           </a:p>
           <a:p>
             <a:pPr lvl="1"/>
             <a:r>
-              <a:rPr/>
               <a:t>No one size fits all algorithms</a:t>
             </a:r>
           </a:p>
@@ -10537,6 +9851,9 @@
       </p:sp>
     </p:spTree>
   </p:cSld>
+  <p:clrMapOvr>
+    <a:masterClrMapping/>
+  </p:clrMapOvr>
 </p:sld>
 </file>
 
@@ -10578,28 +9895,11 @@
           <a:bodyPr/>
           <a:lstStyle/>
           <a:p>
-            <a:pPr lvl="0" marL="0" indent="0">
+            <a:pPr marL="0" lvl="0" indent="0">
               <a:buNone/>
             </a:pPr>
             <a:r>
-              <a:rPr/>
-              <a:t>Control</a:t>
-            </a:r>
-            <a:r>
-              <a:rPr/>
-              <a:t> </a:t>
-            </a:r>
-            <a:r>
-              <a:rPr/>
-              <a:t>flow</a:t>
-            </a:r>
-            <a:r>
-              <a:rPr/>
-              <a:t> </a:t>
-            </a:r>
-            <a:r>
-              <a:rPr/>
-              <a:t>syntax</a:t>
+              <a:t>Control flow syntax</a:t>
             </a:r>
           </a:p>
         </p:txBody>
@@ -10627,7 +9927,6 @@
           <a:p>
             <a:pPr lvl="1"/>
             <a:r>
-              <a:rPr/>
               <a:t>Control flow is an </a:t>
             </a:r>
             <a:r>
@@ -10637,14 +9936,12 @@
               <a:t>if</a:t>
             </a:r>
             <a:r>
-              <a:rPr/>
               <a:t> statement in R</a:t>
             </a:r>
           </a:p>
           <a:p>
             <a:pPr lvl="1"/>
             <a:r>
-              <a:rPr/>
               <a:t>There are 3 parts to an </a:t>
             </a:r>
             <a:r>
@@ -10654,7 +9951,6 @@
               <a:t>if</a:t>
             </a:r>
             <a:r>
-              <a:rPr/>
               <a:t> statement:</a:t>
             </a:r>
           </a:p>
@@ -10663,7 +9959,6 @@
               <a:buAutoNum type="arabicPeriod"/>
             </a:pPr>
             <a:r>
-              <a:rPr/>
               <a:t>Test - Does it meet criteria?</a:t>
             </a:r>
           </a:p>
@@ -10672,7 +9967,6 @@
               <a:buAutoNum type="arabicPeriod"/>
             </a:pPr>
             <a:r>
-              <a:rPr/>
               <a:t>Action - If yes, what should the algorithm do?</a:t>
             </a:r>
           </a:p>
@@ -10681,7 +9975,6 @@
               <a:buAutoNum type="arabicPeriod"/>
             </a:pPr>
             <a:r>
-              <a:rPr/>
               <a:t>Else - And if not?</a:t>
             </a:r>
           </a:p>
@@ -10689,6 +9982,9 @@
       </p:sp>
     </p:spTree>
   </p:cSld>
+  <p:clrMapOvr>
+    <a:masterClrMapping/>
+  </p:clrMapOvr>
 </p:sld>
 </file>
 
@@ -10730,20 +10026,11 @@
           <a:bodyPr/>
           <a:lstStyle/>
           <a:p>
-            <a:pPr lvl="0" marL="0" indent="0">
+            <a:pPr marL="0" lvl="0" indent="0">
               <a:buNone/>
             </a:pPr>
             <a:r>
-              <a:rPr/>
-              <a:t>Example</a:t>
-            </a:r>
-            <a:r>
-              <a:rPr/>
-              <a:t> </a:t>
-            </a:r>
-            <a:r>
-              <a:rPr/>
-              <a:t>1</a:t>
+              <a:t>Example 1</a:t>
             </a:r>
           </a:p>
         </p:txBody>
@@ -10769,7 +10056,7 @@
           <a:bodyPr/>
           <a:lstStyle/>
           <a:p>
-            <a:pPr lvl="0" marL="1270000" indent="0">
+            <a:pPr marL="1270000" lvl="0" indent="0">
               <a:buNone/>
             </a:pPr>
             <a:r>
@@ -10906,7 +10193,7 @@
             </a:r>
           </a:p>
           <a:p>
-            <a:pPr lvl="0" marL="1270000" indent="0">
+            <a:pPr marL="1270000" lvl="0" indent="0">
               <a:buNone/>
             </a:pPr>
             <a:r>
@@ -10920,6 +10207,9 @@
       </p:sp>
     </p:spTree>
   </p:cSld>
+  <p:clrMapOvr>
+    <a:masterClrMapping/>
+  </p:clrMapOvr>
 </p:sld>
 </file>
 
@@ -10961,36 +10251,11 @@
           <a:bodyPr/>
           <a:lstStyle/>
           <a:p>
-            <a:pPr lvl="0" marL="0" indent="0">
+            <a:pPr marL="0" lvl="0" indent="0">
               <a:buNone/>
             </a:pPr>
             <a:r>
-              <a:rPr/>
-              <a:t>Types</a:t>
-            </a:r>
-            <a:r>
-              <a:rPr/>
-              <a:t> </a:t>
-            </a:r>
-            <a:r>
-              <a:rPr/>
-              <a:t>of</a:t>
-            </a:r>
-            <a:r>
-              <a:rPr/>
-              <a:t> </a:t>
-            </a:r>
-            <a:r>
-              <a:rPr/>
-              <a:t>conditional</a:t>
-            </a:r>
-            <a:r>
-              <a:rPr/>
-              <a:t> </a:t>
-            </a:r>
-            <a:r>
-              <a:rPr/>
-              <a:t>tests</a:t>
+              <a:t>Types of conditional tests</a:t>
             </a:r>
           </a:p>
         </p:txBody>
@@ -11018,7 +10283,6 @@
           <a:p>
             <a:pPr lvl="1"/>
             <a:r>
-              <a:rPr/>
               <a:t>Different syntax for different test:</a:t>
             </a:r>
           </a:p>
@@ -11031,7 +10295,6 @@
               <a:t>x == y</a:t>
             </a:r>
             <a:r>
-              <a:rPr/>
               <a:t> - is x equal to y</a:t>
             </a:r>
           </a:p>
@@ -11044,7 +10307,6 @@
               <a:t>x != y</a:t>
             </a:r>
             <a:r>
-              <a:rPr/>
               <a:t> - is x NOT equal to y</a:t>
             </a:r>
           </a:p>
@@ -11057,7 +10319,6 @@
               <a:t>x &lt; y</a:t>
             </a:r>
             <a:r>
-              <a:rPr/>
               <a:t> - is x less than y</a:t>
             </a:r>
           </a:p>
@@ -11070,7 +10331,6 @@
               <a:t>x &lt;= y</a:t>
             </a:r>
             <a:r>
-              <a:rPr/>
               <a:t> - is x less than or equal to y</a:t>
             </a:r>
           </a:p>
@@ -11083,7 +10343,6 @@
               <a:t>x &gt; y</a:t>
             </a:r>
             <a:r>
-              <a:rPr/>
               <a:t> - is x greater than y</a:t>
             </a:r>
           </a:p>
@@ -11096,7 +10355,6 @@
               <a:t>x &gt;= y</a:t>
             </a:r>
             <a:r>
-              <a:rPr/>
               <a:t> - is x greater than or equal to y</a:t>
             </a:r>
           </a:p>
@@ -11104,6 +10362,9 @@
       </p:sp>
     </p:spTree>
   </p:cSld>
+  <p:clrMapOvr>
+    <a:masterClrMapping/>
+  </p:clrMapOvr>
 </p:sld>
 </file>
 

--- a/Workshops/Workshop7.pptx
+++ b/Workshops/Workshop7.pptx
@@ -5,7 +5,7 @@
     <p:sldMasterId id="2147483648" r:id="rId1"/>
   </p:sldMasterIdLst>
   <p:notesMasterIdLst>
-    <p:notesMasterId r:id="rId35"/>
+    <p:NotesMasterId r:id="rId35"/>
   </p:notesMasterIdLst>
   <p:sldIdLst>
     <p:sldId id="256" r:id="rId2"/>
@@ -229,7 +229,7 @@
           <a:p>
             <a:fld id="{0F9C1CCF-B725-44A7-AA57-5E433BD85C9F}" type="datetimeFigureOut">
               <a:rPr lang="en-US" smtClean="0"/>
-              <a:t>3/4/20</a:t>
+              <a:t>2/17/2018</a:t>
             </a:fld>
             <a:endParaRPr lang="en-US"/>
           </a:p>
@@ -293,37 +293,38 @@
           <a:p>
             <a:pPr lvl="0"/>
             <a:r>
-              <a:rPr lang="en-US"/>
+              <a:rPr lang="en-US" smtClean="0"/>
               <a:t>Click to edit Master text styles</a:t>
             </a:r>
           </a:p>
           <a:p>
             <a:pPr lvl="1"/>
             <a:r>
-              <a:rPr lang="en-US"/>
+              <a:rPr lang="en-US" smtClean="0"/>
               <a:t>Second level</a:t>
             </a:r>
           </a:p>
           <a:p>
             <a:pPr lvl="2"/>
             <a:r>
-              <a:rPr lang="en-US"/>
+              <a:rPr lang="en-US" smtClean="0"/>
               <a:t>Third level</a:t>
             </a:r>
           </a:p>
           <a:p>
             <a:pPr lvl="3"/>
             <a:r>
-              <a:rPr lang="en-US"/>
+              <a:rPr lang="en-US" smtClean="0"/>
               <a:t>Fourth level</a:t>
             </a:r>
           </a:p>
           <a:p>
             <a:pPr lvl="4"/>
             <a:r>
-              <a:rPr lang="en-US"/>
+              <a:rPr lang="en-US" smtClean="0"/>
               <a:t>Fifth level</a:t>
             </a:r>
+            <a:endParaRPr lang="en-US"/>
           </a:p>
         </p:txBody>
       </p:sp>
@@ -540,11 +541,100 @@
           <a:bodyPr/>
           <a:lstStyle/>
           <a:p>
-            <a:pPr marL="0" lvl="0" indent="0">
+            <a:pPr lvl="0" marL="0" indent="0">
               <a:buNone/>
             </a:pPr>
             <a:r>
-              <a:t>Try to teach a concepts then they can go home and practice.</a:t>
+              <a:rPr/>
+              <a:t>Try</a:t>
+            </a:r>
+            <a:r>
+              <a:rPr/>
+              <a:t> </a:t>
+            </a:r>
+            <a:r>
+              <a:rPr/>
+              <a:t>to</a:t>
+            </a:r>
+            <a:r>
+              <a:rPr/>
+              <a:t> </a:t>
+            </a:r>
+            <a:r>
+              <a:rPr/>
+              <a:t>teach</a:t>
+            </a:r>
+            <a:r>
+              <a:rPr/>
+              <a:t> </a:t>
+            </a:r>
+            <a:r>
+              <a:rPr/>
+              <a:t>a</a:t>
+            </a:r>
+            <a:r>
+              <a:rPr/>
+              <a:t> </a:t>
+            </a:r>
+            <a:r>
+              <a:rPr/>
+              <a:t>concepts</a:t>
+            </a:r>
+            <a:r>
+              <a:rPr/>
+              <a:t> </a:t>
+            </a:r>
+            <a:r>
+              <a:rPr/>
+              <a:t>then</a:t>
+            </a:r>
+            <a:r>
+              <a:rPr/>
+              <a:t> </a:t>
+            </a:r>
+            <a:r>
+              <a:rPr/>
+              <a:t>they</a:t>
+            </a:r>
+            <a:r>
+              <a:rPr/>
+              <a:t> </a:t>
+            </a:r>
+            <a:r>
+              <a:rPr/>
+              <a:t>can</a:t>
+            </a:r>
+            <a:r>
+              <a:rPr/>
+              <a:t> </a:t>
+            </a:r>
+            <a:r>
+              <a:rPr/>
+              <a:t>go</a:t>
+            </a:r>
+            <a:r>
+              <a:rPr/>
+              <a:t> </a:t>
+            </a:r>
+            <a:r>
+              <a:rPr/>
+              <a:t>home</a:t>
+            </a:r>
+            <a:r>
+              <a:rPr/>
+              <a:t> </a:t>
+            </a:r>
+            <a:r>
+              <a:rPr/>
+              <a:t>and</a:t>
+            </a:r>
+            <a:r>
+              <a:rPr/>
+              <a:t> </a:t>
+            </a:r>
+            <a:r>
+              <a:rPr/>
+              <a:t>practice.</a:t>
             </a:r>
           </a:p>
         </p:txBody>
@@ -574,9 +664,6 @@
       </p:sp>
     </p:spTree>
   </p:cSld>
-  <p:clrMapOvr>
-    <a:masterClrMapping/>
-  </p:clrMapOvr>
 </p:notes>
 </file>
 
@@ -624,11 +711,316 @@
           <a:bodyPr/>
           <a:lstStyle/>
           <a:p>
-            <a:pPr marL="0" lvl="0" indent="0">
+            <a:pPr lvl="0" marL="0" indent="0">
               <a:buNone/>
             </a:pPr>
             <a:r>
-              <a:t>If I gave you one instruction, the entire time, this would greatly limit the complexity of what I can tell someone to do. If it rains, take an umbrella. If it you have gone to visited Wuhan, quarantine yourself</a:t>
+              <a:rPr/>
+              <a:t>If</a:t>
+            </a:r>
+            <a:r>
+              <a:rPr/>
+              <a:t> </a:t>
+            </a:r>
+            <a:r>
+              <a:rPr/>
+              <a:t>I</a:t>
+            </a:r>
+            <a:r>
+              <a:rPr/>
+              <a:t> </a:t>
+            </a:r>
+            <a:r>
+              <a:rPr/>
+              <a:t>gave</a:t>
+            </a:r>
+            <a:r>
+              <a:rPr/>
+              <a:t> </a:t>
+            </a:r>
+            <a:r>
+              <a:rPr/>
+              <a:t>you</a:t>
+            </a:r>
+            <a:r>
+              <a:rPr/>
+              <a:t> </a:t>
+            </a:r>
+            <a:r>
+              <a:rPr/>
+              <a:t>one</a:t>
+            </a:r>
+            <a:r>
+              <a:rPr/>
+              <a:t> </a:t>
+            </a:r>
+            <a:r>
+              <a:rPr/>
+              <a:t>instruction,</a:t>
+            </a:r>
+            <a:r>
+              <a:rPr/>
+              <a:t> </a:t>
+            </a:r>
+            <a:r>
+              <a:rPr/>
+              <a:t>the</a:t>
+            </a:r>
+            <a:r>
+              <a:rPr/>
+              <a:t> </a:t>
+            </a:r>
+            <a:r>
+              <a:rPr/>
+              <a:t>entire</a:t>
+            </a:r>
+            <a:r>
+              <a:rPr/>
+              <a:t> </a:t>
+            </a:r>
+            <a:r>
+              <a:rPr/>
+              <a:t>time,</a:t>
+            </a:r>
+            <a:r>
+              <a:rPr/>
+              <a:t> </a:t>
+            </a:r>
+            <a:r>
+              <a:rPr/>
+              <a:t>this</a:t>
+            </a:r>
+            <a:r>
+              <a:rPr/>
+              <a:t> </a:t>
+            </a:r>
+            <a:r>
+              <a:rPr/>
+              <a:t>would</a:t>
+            </a:r>
+            <a:r>
+              <a:rPr/>
+              <a:t> </a:t>
+            </a:r>
+            <a:r>
+              <a:rPr/>
+              <a:t>greatly</a:t>
+            </a:r>
+            <a:r>
+              <a:rPr/>
+              <a:t> </a:t>
+            </a:r>
+            <a:r>
+              <a:rPr/>
+              <a:t>limit</a:t>
+            </a:r>
+            <a:r>
+              <a:rPr/>
+              <a:t> </a:t>
+            </a:r>
+            <a:r>
+              <a:rPr/>
+              <a:t>the</a:t>
+            </a:r>
+            <a:r>
+              <a:rPr/>
+              <a:t> </a:t>
+            </a:r>
+            <a:r>
+              <a:rPr/>
+              <a:t>complexity</a:t>
+            </a:r>
+            <a:r>
+              <a:rPr/>
+              <a:t> </a:t>
+            </a:r>
+            <a:r>
+              <a:rPr/>
+              <a:t>of</a:t>
+            </a:r>
+            <a:r>
+              <a:rPr/>
+              <a:t> </a:t>
+            </a:r>
+            <a:r>
+              <a:rPr/>
+              <a:t>what</a:t>
+            </a:r>
+            <a:r>
+              <a:rPr/>
+              <a:t> </a:t>
+            </a:r>
+            <a:r>
+              <a:rPr/>
+              <a:t>I</a:t>
+            </a:r>
+            <a:r>
+              <a:rPr/>
+              <a:t> </a:t>
+            </a:r>
+            <a:r>
+              <a:rPr/>
+              <a:t>can</a:t>
+            </a:r>
+            <a:r>
+              <a:rPr/>
+              <a:t> </a:t>
+            </a:r>
+            <a:r>
+              <a:rPr/>
+              <a:t>tell</a:t>
+            </a:r>
+            <a:r>
+              <a:rPr/>
+              <a:t> </a:t>
+            </a:r>
+            <a:r>
+              <a:rPr/>
+              <a:t>someone</a:t>
+            </a:r>
+            <a:r>
+              <a:rPr/>
+              <a:t> </a:t>
+            </a:r>
+            <a:r>
+              <a:rPr/>
+              <a:t>to</a:t>
+            </a:r>
+            <a:r>
+              <a:rPr/>
+              <a:t> </a:t>
+            </a:r>
+            <a:r>
+              <a:rPr/>
+              <a:t>do.</a:t>
+            </a:r>
+            <a:r>
+              <a:rPr/>
+              <a:t> </a:t>
+            </a:r>
+            <a:r>
+              <a:rPr/>
+              <a:t>If</a:t>
+            </a:r>
+            <a:r>
+              <a:rPr/>
+              <a:t> </a:t>
+            </a:r>
+            <a:r>
+              <a:rPr/>
+              <a:t>it</a:t>
+            </a:r>
+            <a:r>
+              <a:rPr/>
+              <a:t> </a:t>
+            </a:r>
+            <a:r>
+              <a:rPr/>
+              <a:t>rains,</a:t>
+            </a:r>
+            <a:r>
+              <a:rPr/>
+              <a:t> </a:t>
+            </a:r>
+            <a:r>
+              <a:rPr/>
+              <a:t>take</a:t>
+            </a:r>
+            <a:r>
+              <a:rPr/>
+              <a:t> </a:t>
+            </a:r>
+            <a:r>
+              <a:rPr/>
+              <a:t>an</a:t>
+            </a:r>
+            <a:r>
+              <a:rPr/>
+              <a:t> </a:t>
+            </a:r>
+            <a:r>
+              <a:rPr/>
+              <a:t>umbrella.</a:t>
+            </a:r>
+            <a:r>
+              <a:rPr/>
+              <a:t> </a:t>
+            </a:r>
+            <a:r>
+              <a:rPr/>
+              <a:t>If</a:t>
+            </a:r>
+            <a:r>
+              <a:rPr/>
+              <a:t> </a:t>
+            </a:r>
+            <a:r>
+              <a:rPr/>
+              <a:t>it</a:t>
+            </a:r>
+            <a:r>
+              <a:rPr/>
+              <a:t> </a:t>
+            </a:r>
+            <a:r>
+              <a:rPr/>
+              <a:t>you</a:t>
+            </a:r>
+            <a:r>
+              <a:rPr/>
+              <a:t> </a:t>
+            </a:r>
+            <a:r>
+              <a:rPr/>
+              <a:t>have</a:t>
+            </a:r>
+            <a:r>
+              <a:rPr/>
+              <a:t> </a:t>
+            </a:r>
+            <a:r>
+              <a:rPr/>
+              <a:t>gone</a:t>
+            </a:r>
+            <a:r>
+              <a:rPr/>
+              <a:t> </a:t>
+            </a:r>
+            <a:r>
+              <a:rPr/>
+              <a:t>to</a:t>
+            </a:r>
+            <a:r>
+              <a:rPr/>
+              <a:t> </a:t>
+            </a:r>
+            <a:r>
+              <a:rPr/>
+              <a:t>visited</a:t>
+            </a:r>
+            <a:r>
+              <a:rPr/>
+              <a:t> </a:t>
+            </a:r>
+            <a:r>
+              <a:rPr/>
+              <a:t>Wuhan,</a:t>
+            </a:r>
+            <a:r>
+              <a:rPr/>
+              <a:t> </a:t>
+            </a:r>
+            <a:r>
+              <a:rPr/>
+              <a:t>quarantine</a:t>
+            </a:r>
+            <a:r>
+              <a:rPr/>
+              <a:t> </a:t>
+            </a:r>
+            <a:r>
+              <a:rPr/>
+              <a:t>yourself</a:t>
             </a:r>
           </a:p>
         </p:txBody>
@@ -658,9 +1050,6 @@
       </p:sp>
     </p:spTree>
   </p:cSld>
-  <p:clrMapOvr>
-    <a:masterClrMapping/>
-  </p:clrMapOvr>
 </p:notes>
 </file>
 
@@ -811,7 +1200,7 @@
           <a:p>
             <a:fld id="{937E6D32-4C03-264D-8FDB-034DA7582E3B}" type="datetimeFigureOut">
               <a:rPr lang="en-US" smtClean="0"/>
-              <a:t>3/4/20</a:t>
+              <a:t>8/27/19</a:t>
             </a:fld>
             <a:endParaRPr lang="en-US"/>
           </a:p>
@@ -1009,7 +1398,7 @@
           <a:p>
             <a:fld id="{937E6D32-4C03-264D-8FDB-034DA7582E3B}" type="datetimeFigureOut">
               <a:rPr lang="en-US" smtClean="0"/>
-              <a:t>3/4/20</a:t>
+              <a:t>8/27/19</a:t>
             </a:fld>
             <a:endParaRPr lang="en-US"/>
           </a:p>
@@ -1217,7 +1606,7 @@
           <a:p>
             <a:fld id="{937E6D32-4C03-264D-8FDB-034DA7582E3B}" type="datetimeFigureOut">
               <a:rPr lang="en-US" smtClean="0"/>
-              <a:t>3/4/20</a:t>
+              <a:t>8/27/19</a:t>
             </a:fld>
             <a:endParaRPr lang="en-US"/>
           </a:p>
@@ -1415,7 +1804,7 @@
           <a:p>
             <a:fld id="{937E6D32-4C03-264D-8FDB-034DA7582E3B}" type="datetimeFigureOut">
               <a:rPr lang="en-US" smtClean="0"/>
-              <a:t>3/4/20</a:t>
+              <a:t>8/27/19</a:t>
             </a:fld>
             <a:endParaRPr lang="en-US"/>
           </a:p>
@@ -1690,7 +2079,7 @@
           <a:p>
             <a:fld id="{937E6D32-4C03-264D-8FDB-034DA7582E3B}" type="datetimeFigureOut">
               <a:rPr lang="en-US" smtClean="0"/>
-              <a:t>3/4/20</a:t>
+              <a:t>8/27/19</a:t>
             </a:fld>
             <a:endParaRPr lang="en-US"/>
           </a:p>
@@ -1955,7 +2344,7 @@
           <a:p>
             <a:fld id="{937E6D32-4C03-264D-8FDB-034DA7582E3B}" type="datetimeFigureOut">
               <a:rPr lang="en-US" smtClean="0"/>
-              <a:t>3/4/20</a:t>
+              <a:t>8/27/19</a:t>
             </a:fld>
             <a:endParaRPr lang="en-US"/>
           </a:p>
@@ -2367,7 +2756,7 @@
           <a:p>
             <a:fld id="{937E6D32-4C03-264D-8FDB-034DA7582E3B}" type="datetimeFigureOut">
               <a:rPr lang="en-US" smtClean="0"/>
-              <a:t>3/4/20</a:t>
+              <a:t>8/27/19</a:t>
             </a:fld>
             <a:endParaRPr lang="en-US"/>
           </a:p>
@@ -2508,7 +2897,7 @@
           <a:p>
             <a:fld id="{937E6D32-4C03-264D-8FDB-034DA7582E3B}" type="datetimeFigureOut">
               <a:rPr lang="en-US" smtClean="0"/>
-              <a:t>3/4/20</a:t>
+              <a:t>8/27/19</a:t>
             </a:fld>
             <a:endParaRPr lang="en-US"/>
           </a:p>
@@ -2621,7 +3010,7 @@
           <a:p>
             <a:fld id="{937E6D32-4C03-264D-8FDB-034DA7582E3B}" type="datetimeFigureOut">
               <a:rPr lang="en-US" smtClean="0"/>
-              <a:t>3/4/20</a:t>
+              <a:t>8/27/19</a:t>
             </a:fld>
             <a:endParaRPr lang="en-US"/>
           </a:p>
@@ -2932,7 +3321,7 @@
           <a:p>
             <a:fld id="{937E6D32-4C03-264D-8FDB-034DA7582E3B}" type="datetimeFigureOut">
               <a:rPr lang="en-US" smtClean="0"/>
-              <a:t>3/4/20</a:t>
+              <a:t>8/27/19</a:t>
             </a:fld>
             <a:endParaRPr lang="en-US"/>
           </a:p>
@@ -3220,7 +3609,7 @@
           <a:p>
             <a:fld id="{937E6D32-4C03-264D-8FDB-034DA7582E3B}" type="datetimeFigureOut">
               <a:rPr lang="en-US" smtClean="0"/>
-              <a:t>3/4/20</a:t>
+              <a:t>8/27/19</a:t>
             </a:fld>
             <a:endParaRPr lang="en-US"/>
           </a:p>
@@ -3461,7 +3850,7 @@
           <a:p>
             <a:fld id="{937E6D32-4C03-264D-8FDB-034DA7582E3B}" type="datetimeFigureOut">
               <a:rPr lang="en-US" smtClean="0"/>
-              <a:t>3/4/20</a:t>
+              <a:t>8/27/19</a:t>
             </a:fld>
             <a:endParaRPr lang="en-US"/>
           </a:p>
@@ -3904,11 +4293,36 @@
           <a:bodyPr/>
           <a:lstStyle/>
           <a:p>
-            <a:pPr marL="0" lvl="0" indent="0">
+            <a:pPr lvl="0" marL="0" indent="0">
               <a:buNone/>
             </a:pPr>
             <a:r>
-              <a:t>Control flow &amp; looping</a:t>
+              <a:rPr/>
+              <a:t>Control</a:t>
+            </a:r>
+            <a:r>
+              <a:rPr/>
+              <a:t> </a:t>
+            </a:r>
+            <a:r>
+              <a:rPr/>
+              <a:t>flow</a:t>
+            </a:r>
+            <a:r>
+              <a:rPr/>
+              <a:t> </a:t>
+            </a:r>
+            <a:r>
+              <a:rPr/>
+              <a:t>&amp;</a:t>
+            </a:r>
+            <a:r>
+              <a:rPr/>
+              <a:t> </a:t>
+            </a:r>
+            <a:r>
+              <a:rPr/>
+              <a:t>looping</a:t>
             </a:r>
           </a:p>
         </p:txBody>
@@ -3939,20 +4353,16 @@
           <a:bodyPr/>
           <a:lstStyle/>
           <a:p>
-            <a:pPr marL="0" lvl="0" indent="0">
+            <a:pPr lvl="0" marL="0" indent="0">
               <a:buNone/>
             </a:pPr>
             <a:br/>
             <a:br/>
-            <a:endParaRPr/>
           </a:p>
         </p:txBody>
       </p:sp>
     </p:spTree>
   </p:cSld>
-  <p:clrMapOvr>
-    <a:masterClrMapping/>
-  </p:clrMapOvr>
 </p:sld>
 </file>
 
@@ -3994,11 +4404,20 @@
           <a:bodyPr/>
           <a:lstStyle/>
           <a:p>
-            <a:pPr marL="0" lvl="0" indent="0">
+            <a:pPr lvl="0" marL="0" indent="0">
               <a:buNone/>
             </a:pPr>
             <a:r>
-              <a:t>Example 2</a:t>
+              <a:rPr/>
+              <a:t>Example</a:t>
+            </a:r>
+            <a:r>
+              <a:rPr/>
+              <a:t> </a:t>
+            </a:r>
+            <a:r>
+              <a:rPr/>
+              <a:t>2</a:t>
             </a:r>
           </a:p>
         </p:txBody>
@@ -4024,7 +4443,7 @@
           <a:bodyPr/>
           <a:lstStyle/>
           <a:p>
-            <a:pPr marL="1270000" lvl="0" indent="0">
+            <a:pPr lvl="0" marL="1270000" indent="0">
               <a:buNone/>
             </a:pPr>
             <a:r>
@@ -4161,7 +4580,7 @@
             </a:r>
           </a:p>
           <a:p>
-            <a:pPr marL="1270000" lvl="0" indent="0">
+            <a:pPr lvl="0" marL="1270000" indent="0">
               <a:buNone/>
             </a:pPr>
             <a:r>
@@ -4175,9 +4594,6 @@
       </p:sp>
     </p:spTree>
   </p:cSld>
-  <p:clrMapOvr>
-    <a:masterClrMapping/>
-  </p:clrMapOvr>
 </p:sld>
 </file>
 
@@ -4219,10 +4635,11 @@
           <a:bodyPr/>
           <a:lstStyle/>
           <a:p>
-            <a:pPr marL="0" lvl="0" indent="0">
+            <a:pPr lvl="0" marL="0" indent="0">
               <a:buNone/>
             </a:pPr>
             <a:r>
+              <a:rPr/>
               <a:t>Else…</a:t>
             </a:r>
           </a:p>
@@ -4251,6 +4668,7 @@
           <a:p>
             <a:pPr lvl="1"/>
             <a:r>
+              <a:rPr/>
               <a:t>Sometimes we want to add a clause to tell the computer what to do if the condition is NOT met</a:t>
             </a:r>
           </a:p>
@@ -4258,9 +4676,6 @@
       </p:sp>
     </p:spTree>
   </p:cSld>
-  <p:clrMapOvr>
-    <a:masterClrMapping/>
-  </p:clrMapOvr>
 </p:sld>
 </file>
 
@@ -4302,11 +4717,20 @@
           <a:bodyPr/>
           <a:lstStyle/>
           <a:p>
-            <a:pPr marL="0" lvl="0" indent="0">
+            <a:pPr lvl="0" marL="0" indent="0">
               <a:buNone/>
             </a:pPr>
             <a:r>
-              <a:t>Example 3</a:t>
+              <a:rPr/>
+              <a:t>Example</a:t>
+            </a:r>
+            <a:r>
+              <a:rPr/>
+              <a:t> </a:t>
+            </a:r>
+            <a:r>
+              <a:rPr/>
+              <a:t>3</a:t>
             </a:r>
           </a:p>
         </p:txBody>
@@ -4332,7 +4756,7 @@
           <a:bodyPr/>
           <a:lstStyle/>
           <a:p>
-            <a:pPr marL="1270000" lvl="0" indent="0">
+            <a:pPr lvl="0" marL="1270000" indent="0">
               <a:buNone/>
             </a:pPr>
             <a:r>
@@ -4539,7 +4963,7 @@
             </a:r>
           </a:p>
           <a:p>
-            <a:pPr marL="1270000" lvl="0" indent="0">
+            <a:pPr lvl="0" marL="1270000" indent="0">
               <a:buNone/>
             </a:pPr>
             <a:r>
@@ -4553,9 +4977,6 @@
       </p:sp>
     </p:spTree>
   </p:cSld>
-  <p:clrMapOvr>
-    <a:masterClrMapping/>
-  </p:clrMapOvr>
 </p:sld>
 </file>
 
@@ -4597,11 +5018,20 @@
           <a:bodyPr/>
           <a:lstStyle/>
           <a:p>
-            <a:pPr marL="0" lvl="0" indent="0">
+            <a:pPr lvl="0" marL="0" indent="0">
               <a:buNone/>
             </a:pPr>
             <a:r>
-              <a:t>Practice 1</a:t>
+              <a:rPr/>
+              <a:t>Practice</a:t>
+            </a:r>
+            <a:r>
+              <a:rPr/>
+              <a:t> </a:t>
+            </a:r>
+            <a:r>
+              <a:rPr/>
+              <a:t>1</a:t>
             </a:r>
           </a:p>
         </p:txBody>
@@ -4629,12 +5059,14 @@
           <a:p>
             <a:pPr lvl="1"/>
             <a:r>
+              <a:rPr/>
               <a:t>Try modifying example 3 to your own name, then rerunning - what does it print now?</a:t>
             </a:r>
           </a:p>
           <a:p>
             <a:pPr lvl="1"/>
             <a:r>
+              <a:rPr/>
               <a:t>Try filling in the practice to compute the correct summary statistic (</a:t>
             </a:r>
             <a:r>
@@ -4644,6 +5076,7 @@
               <a:t>mean</a:t>
             </a:r>
             <a:r>
+              <a:rPr/>
               <a:t> or </a:t>
             </a:r>
             <a:r>
@@ -4653,6 +5086,7 @@
               <a:t>median</a:t>
             </a:r>
             <a:r>
+              <a:rPr/>
               <a:t>) on the variable </a:t>
             </a:r>
             <a:r>
@@ -4662,6 +5096,7 @@
               <a:t>cchic$urea</a:t>
             </a:r>
             <a:r>
+              <a:rPr/>
               <a:t>. Use </a:t>
             </a:r>
             <a:r>
@@ -4671,6 +5106,7 @@
               <a:t>print</a:t>
             </a:r>
             <a:r>
+              <a:rPr/>
               <a:t> to print our your result. Remeber to remove NA’s if needed.</a:t>
             </a:r>
           </a:p>
@@ -4678,9 +5114,6 @@
       </p:sp>
     </p:spTree>
   </p:cSld>
-  <p:clrMapOvr>
-    <a:masterClrMapping/>
-  </p:clrMapOvr>
 </p:sld>
 </file>
 
@@ -4722,11 +5155,20 @@
           <a:bodyPr/>
           <a:lstStyle/>
           <a:p>
-            <a:pPr marL="0" lvl="0" indent="0">
+            <a:pPr lvl="0" marL="0" indent="0">
               <a:buNone/>
             </a:pPr>
             <a:r>
-              <a:t>Answer 1</a:t>
+              <a:rPr/>
+              <a:t>Answer</a:t>
+            </a:r>
+            <a:r>
+              <a:rPr/>
+              <a:t> </a:t>
+            </a:r>
+            <a:r>
+              <a:rPr/>
+              <a:t>1</a:t>
             </a:r>
           </a:p>
         </p:txBody>
@@ -4752,7 +5194,7 @@
           <a:bodyPr/>
           <a:lstStyle/>
           <a:p>
-            <a:pPr marL="1270000" lvl="0" indent="0">
+            <a:pPr lvl="0" marL="1270000" indent="0">
               <a:buNone/>
             </a:pPr>
             <a:r>
@@ -4959,7 +5401,7 @@
             </a:r>
           </a:p>
           <a:p>
-            <a:pPr marL="1270000" lvl="0" indent="0">
+            <a:pPr lvl="0" marL="1270000" indent="0">
               <a:buNone/>
             </a:pPr>
             <a:r>
@@ -4973,9 +5415,6 @@
       </p:sp>
     </p:spTree>
   </p:cSld>
-  <p:clrMapOvr>
-    <a:masterClrMapping/>
-  </p:clrMapOvr>
 </p:sld>
 </file>
 
@@ -5017,11 +5456,20 @@
           <a:bodyPr/>
           <a:lstStyle/>
           <a:p>
-            <a:pPr marL="0" lvl="0" indent="0">
+            <a:pPr lvl="0" marL="0" indent="0">
               <a:buNone/>
             </a:pPr>
             <a:r>
-              <a:t>Answer 2</a:t>
+              <a:rPr/>
+              <a:t>Answer</a:t>
+            </a:r>
+            <a:r>
+              <a:rPr/>
+              <a:t> </a:t>
+            </a:r>
+            <a:r>
+              <a:rPr/>
+              <a:t>2</a:t>
             </a:r>
           </a:p>
         </p:txBody>
@@ -5047,7 +5495,7 @@
           <a:bodyPr/>
           <a:lstStyle/>
           <a:p>
-            <a:pPr marL="1270000" lvl="0" indent="0">
+            <a:pPr lvl="0" marL="1270000" indent="0">
               <a:buNone/>
             </a:pPr>
             <a:r>
@@ -5185,7 +5633,7 @@
             </a:r>
           </a:p>
           <a:p>
-            <a:pPr marL="1270000" lvl="0" indent="0">
+            <a:pPr lvl="0" marL="1270000" indent="0">
               <a:buNone/>
             </a:pPr>
             <a:r>
@@ -5199,9 +5647,6 @@
       </p:sp>
     </p:spTree>
   </p:cSld>
-  <p:clrMapOvr>
-    <a:masterClrMapping/>
-  </p:clrMapOvr>
 </p:sld>
 </file>
 
@@ -5224,7 +5669,7 @@
       </p:grpSpPr>
       <p:pic>
         <p:nvPicPr>
-          <p:cNvPr id="2" name="Picture 1" descr="Workshop7_files/figure-pptx/unnamed-chunk-6-1.png"/>
+          <p:cNvPr descr="Workshop7_files/figure-pptx/unnamed-chunk-6-1.png" id="0" name="Picture 1"/>
           <p:cNvPicPr>
             <a:picLocks noGrp="1" noChangeAspect="1"/>
           </p:cNvPicPr>
@@ -5254,9 +5699,6 @@
       </p:pic>
     </p:spTree>
   </p:cSld>
-  <p:clrMapOvr>
-    <a:masterClrMapping/>
-  </p:clrMapOvr>
 </p:sld>
 </file>
 
@@ -5298,13 +5740,12 @@
           <a:bodyPr/>
           <a:lstStyle/>
           <a:p>
-            <a:pPr marL="0" lvl="0" indent="0">
+            <a:pPr lvl="0" marL="0" indent="0">
               <a:buNone/>
             </a:pPr>
-            <a:endParaRPr/>
-          </a:p>
-          <a:p>
-            <a:pPr marL="1270000" lvl="0" indent="0">
+          </a:p>
+          <a:p>
+            <a:pPr lvl="0" marL="1270000" indent="0">
               <a:buNone/>
             </a:pPr>
             <a:r>
@@ -5574,7 +6015,7 @@
             </a:r>
           </a:p>
           <a:p>
-            <a:pPr marL="1270000" lvl="0" indent="0">
+            <a:pPr lvl="0" marL="1270000" indent="0">
               <a:buNone/>
             </a:pPr>
             <a:r>
@@ -5588,9 +6029,6 @@
       </p:sp>
     </p:spTree>
   </p:cSld>
-  <p:clrMapOvr>
-    <a:masterClrMapping/>
-  </p:clrMapOvr>
 </p:sld>
 </file>
 
@@ -5632,11 +6070,28 @@
           <a:bodyPr/>
           <a:lstStyle/>
           <a:p>
-            <a:pPr marL="0" lvl="0" indent="0">
+            <a:pPr lvl="0" marL="0" indent="0">
               <a:buNone/>
             </a:pPr>
             <a:r>
-              <a:t>Multiple conditional statements</a:t>
+              <a:rPr/>
+              <a:t>Multiple</a:t>
+            </a:r>
+            <a:r>
+              <a:rPr/>
+              <a:t> </a:t>
+            </a:r>
+            <a:r>
+              <a:rPr/>
+              <a:t>conditional</a:t>
+            </a:r>
+            <a:r>
+              <a:rPr/>
+              <a:t> </a:t>
+            </a:r>
+            <a:r>
+              <a:rPr/>
+              <a:t>statements</a:t>
             </a:r>
           </a:p>
         </p:txBody>
@@ -5664,12 +6119,14 @@
           <a:p>
             <a:pPr lvl="1"/>
             <a:r>
+              <a:rPr/>
               <a:t>There are times when one condition is not enough</a:t>
             </a:r>
           </a:p>
           <a:p>
             <a:pPr lvl="1"/>
             <a:r>
+              <a:rPr/>
               <a:t>Here, we can string together multiple (as many as you like) </a:t>
             </a:r>
             <a:r>
@@ -5679,6 +6136,7 @@
               <a:t>else if</a:t>
             </a:r>
             <a:r>
+              <a:rPr/>
               <a:t> statements</a:t>
             </a:r>
           </a:p>
@@ -5686,9 +6144,6 @@
       </p:sp>
     </p:spTree>
   </p:cSld>
-  <p:clrMapOvr>
-    <a:masterClrMapping/>
-  </p:clrMapOvr>
 </p:sld>
 </file>
 
@@ -5730,11 +6185,20 @@
           <a:bodyPr/>
           <a:lstStyle/>
           <a:p>
-            <a:pPr marL="0" lvl="0" indent="0">
+            <a:pPr lvl="0" marL="0" indent="0">
               <a:buNone/>
             </a:pPr>
             <a:r>
-              <a:t>Example 4</a:t>
+              <a:rPr/>
+              <a:t>Example</a:t>
+            </a:r>
+            <a:r>
+              <a:rPr/>
+              <a:t> </a:t>
+            </a:r>
+            <a:r>
+              <a:rPr/>
+              <a:t>4</a:t>
             </a:r>
           </a:p>
         </p:txBody>
@@ -5760,7 +6224,7 @@
           <a:bodyPr/>
           <a:lstStyle/>
           <a:p>
-            <a:pPr marL="1270000" lvl="0" indent="0">
+            <a:pPr lvl="0" marL="1270000" indent="0">
               <a:buNone/>
             </a:pPr>
             <a:r>
@@ -6164,7 +6628,7 @@
             </a:r>
           </a:p>
           <a:p>
-            <a:pPr marL="1270000" lvl="0" indent="0">
+            <a:pPr lvl="0" marL="1270000" indent="0">
               <a:buNone/>
             </a:pPr>
             <a:r>
@@ -6178,9 +6642,6 @@
       </p:sp>
     </p:spTree>
   </p:cSld>
-  <p:clrMapOvr>
-    <a:masterClrMapping/>
-  </p:clrMapOvr>
 </p:sld>
 </file>
 
@@ -6203,7 +6664,7 @@
       </p:grpSpPr>
       <p:pic>
         <p:nvPicPr>
-          <p:cNvPr id="2" name="Picture 1" descr="../Images/Clinician%20Coders%20Branding_FINAL_CMYK_Colour.png"/>
+          <p:cNvPr descr="../Images/Clinician%20Coders%20Branding_FINAL_CMYK_Colour.png" id="0" name="Picture 1"/>
           <p:cNvPicPr>
             <a:picLocks noGrp="1" noChangeAspect="1"/>
           </p:cNvPicPr>
@@ -6233,9 +6694,6 @@
       </p:pic>
     </p:spTree>
   </p:cSld>
-  <p:clrMapOvr>
-    <a:masterClrMapping/>
-  </p:clrMapOvr>
 </p:sld>
 </file>
 
@@ -6277,11 +6735,20 @@
           <a:bodyPr/>
           <a:lstStyle/>
           <a:p>
-            <a:pPr marL="0" lvl="0" indent="0">
+            <a:pPr lvl="0" marL="0" indent="0">
               <a:buNone/>
             </a:pPr>
             <a:r>
-              <a:t>Why loop?</a:t>
+              <a:rPr/>
+              <a:t>Why</a:t>
+            </a:r>
+            <a:r>
+              <a:rPr/>
+              <a:t> </a:t>
+            </a:r>
+            <a:r>
+              <a:rPr/>
+              <a:t>loop?</a:t>
             </a:r>
           </a:p>
         </p:txBody>
@@ -6309,30 +6776,35 @@
           <a:p>
             <a:pPr lvl="1"/>
             <a:r>
+              <a:rPr/>
               <a:t>Copy pasting code is bad</a:t>
             </a:r>
           </a:p>
           <a:p>
             <a:pPr lvl="1"/>
             <a:r>
+              <a:rPr/>
               <a:t>Rule of thumb if you copy-paste &gt; 2 time, loop instead</a:t>
             </a:r>
           </a:p>
           <a:p>
             <a:pPr lvl="1"/>
             <a:r>
+              <a:rPr/>
               <a:t>Huge/mutiple data sets</a:t>
             </a:r>
           </a:p>
           <a:p>
             <a:pPr lvl="1"/>
             <a:r>
+              <a:rPr/>
               <a:t>Less human error-prone</a:t>
             </a:r>
           </a:p>
           <a:p>
             <a:pPr lvl="1"/>
             <a:r>
+              <a:rPr/>
               <a:t>Perform same function many times</a:t>
             </a:r>
           </a:p>
@@ -6340,9 +6812,6 @@
       </p:sp>
     </p:spTree>
   </p:cSld>
-  <p:clrMapOvr>
-    <a:masterClrMapping/>
-  </p:clrMapOvr>
 </p:sld>
 </file>
 
@@ -6384,11 +6853,20 @@
           <a:bodyPr/>
           <a:lstStyle/>
           <a:p>
-            <a:pPr marL="0" lvl="0" indent="0">
+            <a:pPr lvl="0" marL="0" indent="0">
               <a:buNone/>
             </a:pPr>
             <a:r>
-              <a:t>Loop syntax</a:t>
+              <a:rPr/>
+              <a:t>Loop</a:t>
+            </a:r>
+            <a:r>
+              <a:rPr/>
+              <a:t> </a:t>
+            </a:r>
+            <a:r>
+              <a:rPr/>
+              <a:t>syntax</a:t>
             </a:r>
           </a:p>
         </p:txBody>
@@ -6420,12 +6898,14 @@
               <a:t>For</a:t>
             </a:r>
             <a:r>
+              <a:rPr/>
               <a:t> and while loops</a:t>
             </a:r>
           </a:p>
           <a:p>
             <a:pPr lvl="1"/>
             <a:r>
+              <a:rPr/>
               <a:t>Loops have 2 parts:</a:t>
             </a:r>
           </a:p>
@@ -6434,6 +6914,7 @@
               <a:buAutoNum type="arabicPeriod"/>
             </a:pPr>
             <a:r>
+              <a:rPr/>
               <a:t>Number of iterations</a:t>
             </a:r>
           </a:p>
@@ -6442,6 +6923,7 @@
               <a:buAutoNum type="arabicPeriod"/>
             </a:pPr>
             <a:r>
+              <a:rPr/>
               <a:t>Body - what to do each iteration?</a:t>
             </a:r>
           </a:p>
@@ -6449,9 +6931,6 @@
       </p:sp>
     </p:spTree>
   </p:cSld>
-  <p:clrMapOvr>
-    <a:masterClrMapping/>
-  </p:clrMapOvr>
 </p:sld>
 </file>
 
@@ -6493,11 +6972,20 @@
           <a:bodyPr/>
           <a:lstStyle/>
           <a:p>
-            <a:pPr marL="0" lvl="0" indent="0">
+            <a:pPr lvl="0" marL="0" indent="0">
               <a:buNone/>
             </a:pPr>
             <a:r>
-              <a:t>Example 5</a:t>
+              <a:rPr/>
+              <a:t>Example</a:t>
+            </a:r>
+            <a:r>
+              <a:rPr/>
+              <a:t> </a:t>
+            </a:r>
+            <a:r>
+              <a:rPr/>
+              <a:t>5</a:t>
             </a:r>
           </a:p>
         </p:txBody>
@@ -6523,7 +7011,7 @@
           <a:bodyPr/>
           <a:lstStyle/>
           <a:p>
-            <a:pPr marL="1270000" lvl="0" indent="0">
+            <a:pPr lvl="0" marL="1270000" indent="0">
               <a:buNone/>
             </a:pPr>
             <a:r>
@@ -6634,7 +7122,7 @@
             </a:r>
           </a:p>
           <a:p>
-            <a:pPr marL="1270000" lvl="0" indent="0">
+            <a:pPr lvl="0" marL="1270000" indent="0">
               <a:buNone/>
             </a:pPr>
             <a:r>
@@ -6652,9 +7140,6 @@
       </p:sp>
     </p:spTree>
   </p:cSld>
-  <p:clrMapOvr>
-    <a:masterClrMapping/>
-  </p:clrMapOvr>
 </p:sld>
 </file>
 
@@ -6696,11 +7181,36 @@
           <a:bodyPr/>
           <a:lstStyle/>
           <a:p>
-            <a:pPr marL="0" lvl="0" indent="0">
+            <a:pPr lvl="0" marL="0" indent="0">
               <a:buNone/>
             </a:pPr>
             <a:r>
-              <a:t>Example 6 - manual</a:t>
+              <a:rPr/>
+              <a:t>Example</a:t>
+            </a:r>
+            <a:r>
+              <a:rPr/>
+              <a:t> </a:t>
+            </a:r>
+            <a:r>
+              <a:rPr/>
+              <a:t>6</a:t>
+            </a:r>
+            <a:r>
+              <a:rPr/>
+              <a:t> </a:t>
+            </a:r>
+            <a:r>
+              <a:rPr/>
+              <a:t>-</a:t>
+            </a:r>
+            <a:r>
+              <a:rPr/>
+              <a:t> </a:t>
+            </a:r>
+            <a:r>
+              <a:rPr/>
+              <a:t>manual</a:t>
             </a:r>
           </a:p>
         </p:txBody>
@@ -6726,7 +7236,7 @@
           <a:bodyPr/>
           <a:lstStyle/>
           <a:p>
-            <a:pPr marL="1270000" lvl="0" indent="0">
+            <a:pPr lvl="0" marL="1270000" indent="0">
               <a:buNone/>
             </a:pPr>
             <a:r>
@@ -6867,7 +7377,7 @@
             </a:r>
           </a:p>
           <a:p>
-            <a:pPr marL="1270000" lvl="0" indent="0">
+            <a:pPr lvl="0" marL="1270000" indent="0">
               <a:buNone/>
             </a:pPr>
             <a:r>
@@ -6878,7 +7388,7 @@
             </a:r>
           </a:p>
           <a:p>
-            <a:pPr marL="1270000" lvl="0" indent="0">
+            <a:pPr lvl="0" marL="1270000" indent="0">
               <a:buNone/>
             </a:pPr>
             <a:r>
@@ -6913,7 +7423,7 @@
             </a:r>
           </a:p>
           <a:p>
-            <a:pPr marL="1270000" lvl="0" indent="0">
+            <a:pPr lvl="0" marL="1270000" indent="0">
               <a:buNone/>
             </a:pPr>
             <a:r>
@@ -6924,7 +7434,7 @@
             </a:r>
           </a:p>
           <a:p>
-            <a:pPr marL="1270000" lvl="0" indent="0">
+            <a:pPr lvl="0" marL="1270000" indent="0">
               <a:buNone/>
             </a:pPr>
             <a:r>
@@ -6959,7 +7469,7 @@
             </a:r>
           </a:p>
           <a:p>
-            <a:pPr marL="1270000" lvl="0" indent="0">
+            <a:pPr lvl="0" marL="1270000" indent="0">
               <a:buNone/>
             </a:pPr>
             <a:r>
@@ -6970,7 +7480,7 @@
             </a:r>
           </a:p>
           <a:p>
-            <a:pPr marL="1270000" lvl="0" indent="0">
+            <a:pPr lvl="0" marL="1270000" indent="0">
               <a:buNone/>
             </a:pPr>
             <a:r>
@@ -7005,7 +7515,7 @@
             </a:r>
           </a:p>
           <a:p>
-            <a:pPr marL="1270000" lvl="0" indent="0">
+            <a:pPr lvl="0" marL="1270000" indent="0">
               <a:buNone/>
             </a:pPr>
             <a:r>
@@ -7016,7 +7526,7 @@
             </a:r>
           </a:p>
           <a:p>
-            <a:pPr marL="1270000" lvl="0" indent="0">
+            <a:pPr lvl="0" marL="1270000" indent="0">
               <a:buNone/>
             </a:pPr>
             <a:r>
@@ -7051,7 +7561,7 @@
             </a:r>
           </a:p>
           <a:p>
-            <a:pPr marL="1270000" lvl="0" indent="0">
+            <a:pPr lvl="0" marL="1270000" indent="0">
               <a:buNone/>
             </a:pPr>
             <a:r>
@@ -7065,9 +7575,6 @@
       </p:sp>
     </p:spTree>
   </p:cSld>
-  <p:clrMapOvr>
-    <a:masterClrMapping/>
-  </p:clrMapOvr>
 </p:sld>
 </file>
 
@@ -7109,11 +7616,36 @@
           <a:bodyPr/>
           <a:lstStyle/>
           <a:p>
-            <a:pPr marL="0" lvl="0" indent="0">
+            <a:pPr lvl="0" marL="0" indent="0">
               <a:buNone/>
             </a:pPr>
             <a:r>
-              <a:t>Example 6 - loop</a:t>
+              <a:rPr/>
+              <a:t>Example</a:t>
+            </a:r>
+            <a:r>
+              <a:rPr/>
+              <a:t> </a:t>
+            </a:r>
+            <a:r>
+              <a:rPr/>
+              <a:t>6</a:t>
+            </a:r>
+            <a:r>
+              <a:rPr/>
+              <a:t> </a:t>
+            </a:r>
+            <a:r>
+              <a:rPr/>
+              <a:t>-</a:t>
+            </a:r>
+            <a:r>
+              <a:rPr/>
+              <a:t> </a:t>
+            </a:r>
+            <a:r>
+              <a:rPr/>
+              <a:t>loop</a:t>
             </a:r>
           </a:p>
         </p:txBody>
@@ -7139,7 +7671,7 @@
           <a:bodyPr/>
           <a:lstStyle/>
           <a:p>
-            <a:pPr marL="1270000" lvl="0" indent="0">
+            <a:pPr lvl="0" marL="1270000" indent="0">
               <a:buNone/>
             </a:pPr>
             <a:r>
@@ -7357,7 +7889,7 @@
             </a:r>
           </a:p>
           <a:p>
-            <a:pPr marL="1270000" lvl="0" indent="0">
+            <a:pPr lvl="0" marL="1270000" indent="0">
               <a:buNone/>
             </a:pPr>
             <a:r>
@@ -7375,9 +7907,6 @@
       </p:sp>
     </p:spTree>
   </p:cSld>
-  <p:clrMapOvr>
-    <a:masterClrMapping/>
-  </p:clrMapOvr>
 </p:sld>
 </file>
 
@@ -7419,11 +7948,20 @@
           <a:bodyPr/>
           <a:lstStyle/>
           <a:p>
-            <a:pPr marL="0" lvl="0" indent="0">
+            <a:pPr lvl="0" marL="0" indent="0">
               <a:buNone/>
             </a:pPr>
             <a:r>
-              <a:t>Practice 2</a:t>
+              <a:rPr/>
+              <a:t>Practice</a:t>
+            </a:r>
+            <a:r>
+              <a:rPr/>
+              <a:t> </a:t>
+            </a:r>
+            <a:r>
+              <a:rPr/>
+              <a:t>2</a:t>
             </a:r>
           </a:p>
         </p:txBody>
@@ -7451,6 +7989,7 @@
           <a:p>
             <a:pPr lvl="1"/>
             <a:r>
+              <a:rPr/>
               <a:t>Write a loop that iterates across every column of </a:t>
             </a:r>
             <a:r>
@@ -7460,12 +7999,14 @@
               <a:t>cchic</a:t>
             </a:r>
             <a:r>
+              <a:rPr/>
               <a:t> and prints out the column name of each column.</a:t>
             </a:r>
           </a:p>
           <a:p>
             <a:pPr lvl="1"/>
             <a:r>
+              <a:rPr/>
               <a:t>Hint: </a:t>
             </a:r>
             <a:r>
@@ -7475,12 +8016,14 @@
               <a:t>length(cchic)</a:t>
             </a:r>
             <a:r>
+              <a:rPr/>
               <a:t> will return the number of columns.</a:t>
             </a:r>
           </a:p>
           <a:p>
             <a:pPr lvl="1"/>
             <a:r>
+              <a:rPr/>
               <a:t>Hint: </a:t>
             </a:r>
             <a:r>
@@ -7490,6 +8033,7 @@
               <a:t>print(names(cchic[1]))</a:t>
             </a:r>
             <a:r>
+              <a:rPr/>
               <a:t> will print out the contents of column 1.</a:t>
             </a:r>
           </a:p>
@@ -7497,9 +8041,6 @@
       </p:sp>
     </p:spTree>
   </p:cSld>
-  <p:clrMapOvr>
-    <a:masterClrMapping/>
-  </p:clrMapOvr>
 </p:sld>
 </file>
 
@@ -7541,10 +8082,11 @@
           <a:bodyPr/>
           <a:lstStyle/>
           <a:p>
-            <a:pPr marL="0" lvl="0" indent="0">
+            <a:pPr lvl="0" marL="0" indent="0">
               <a:buNone/>
             </a:pPr>
             <a:r>
+              <a:rPr/>
               <a:t>Answer</a:t>
             </a:r>
           </a:p>
@@ -7571,7 +8113,7 @@
           <a:bodyPr/>
           <a:lstStyle/>
           <a:p>
-            <a:pPr marL="1270000" lvl="0" indent="0">
+            <a:pPr lvl="0" marL="1270000" indent="0">
               <a:buNone/>
             </a:pPr>
             <a:r>
@@ -7700,9 +8242,6 @@
       </p:sp>
     </p:spTree>
   </p:cSld>
-  <p:clrMapOvr>
-    <a:masterClrMapping/>
-  </p:clrMapOvr>
 </p:sld>
 </file>
 
@@ -7744,11 +8283,44 @@
           <a:bodyPr/>
           <a:lstStyle/>
           <a:p>
-            <a:pPr marL="0" lvl="0" indent="0">
+            <a:pPr lvl="0" marL="0" indent="0">
               <a:buNone/>
             </a:pPr>
             <a:r>
-              <a:t>Combining loops with control flow</a:t>
+              <a:rPr/>
+              <a:t>Combining</a:t>
+            </a:r>
+            <a:r>
+              <a:rPr/>
+              <a:t> </a:t>
+            </a:r>
+            <a:r>
+              <a:rPr/>
+              <a:t>loops</a:t>
+            </a:r>
+            <a:r>
+              <a:rPr/>
+              <a:t> </a:t>
+            </a:r>
+            <a:r>
+              <a:rPr/>
+              <a:t>with</a:t>
+            </a:r>
+            <a:r>
+              <a:rPr/>
+              <a:t> </a:t>
+            </a:r>
+            <a:r>
+              <a:rPr/>
+              <a:t>control</a:t>
+            </a:r>
+            <a:r>
+              <a:rPr/>
+              <a:t> </a:t>
+            </a:r>
+            <a:r>
+              <a:rPr/>
+              <a:t>flow</a:t>
             </a:r>
           </a:p>
         </p:txBody>
@@ -7776,6 +8348,7 @@
           <a:p>
             <a:pPr lvl="1"/>
             <a:r>
+              <a:rPr/>
               <a:t>The power of looping is illustrated when you add in the flexibility of conditional statements</a:t>
             </a:r>
           </a:p>
@@ -7783,9 +8356,6 @@
       </p:sp>
     </p:spTree>
   </p:cSld>
-  <p:clrMapOvr>
-    <a:masterClrMapping/>
-  </p:clrMapOvr>
 </p:sld>
 </file>
 
@@ -7827,11 +8397,20 @@
           <a:bodyPr/>
           <a:lstStyle/>
           <a:p>
-            <a:pPr marL="0" lvl="0" indent="0">
+            <a:pPr lvl="0" marL="0" indent="0">
               <a:buNone/>
             </a:pPr>
             <a:r>
-              <a:t>Example 7</a:t>
+              <a:rPr/>
+              <a:t>Example</a:t>
+            </a:r>
+            <a:r>
+              <a:rPr/>
+              <a:t> </a:t>
+            </a:r>
+            <a:r>
+              <a:rPr/>
+              <a:t>7</a:t>
             </a:r>
           </a:p>
         </p:txBody>
@@ -7857,7 +8436,7 @@
           <a:bodyPr/>
           <a:lstStyle/>
           <a:p>
-            <a:pPr marL="1270000" lvl="0" indent="0">
+            <a:pPr lvl="0" marL="1270000" indent="0">
               <a:buNone/>
             </a:pPr>
             <a:r>
@@ -8110,7 +8689,7 @@
             </a:r>
           </a:p>
           <a:p>
-            <a:pPr marL="1270000" lvl="0" indent="0">
+            <a:pPr lvl="0" marL="1270000" indent="0">
               <a:buNone/>
             </a:pPr>
             <a:r>
@@ -8128,9 +8707,6 @@
       </p:sp>
     </p:spTree>
   </p:cSld>
-  <p:clrMapOvr>
-    <a:masterClrMapping/>
-  </p:clrMapOvr>
 </p:sld>
 </file>
 
@@ -8172,11 +8748,20 @@
           <a:bodyPr/>
           <a:lstStyle/>
           <a:p>
-            <a:pPr marL="0" lvl="0" indent="0">
+            <a:pPr lvl="0" marL="0" indent="0">
               <a:buNone/>
             </a:pPr>
             <a:r>
-              <a:t>Example 8</a:t>
+              <a:rPr/>
+              <a:t>Example</a:t>
+            </a:r>
+            <a:r>
+              <a:rPr/>
+              <a:t> </a:t>
+            </a:r>
+            <a:r>
+              <a:rPr/>
+              <a:t>8</a:t>
             </a:r>
           </a:p>
         </p:txBody>
@@ -8202,7 +8787,7 @@
           <a:bodyPr/>
           <a:lstStyle/>
           <a:p>
-            <a:pPr marL="1270000" lvl="0" indent="0">
+            <a:pPr lvl="0" marL="1270000" indent="0">
               <a:buNone/>
             </a:pPr>
             <a:r>
@@ -8519,7 +9104,7 @@
             </a:r>
           </a:p>
           <a:p>
-            <a:pPr marL="1270000" lvl="0" indent="0">
+            <a:pPr lvl="0" marL="1270000" indent="0">
               <a:buNone/>
             </a:pPr>
             <a:r>
@@ -8537,9 +9122,6 @@
       </p:sp>
     </p:spTree>
   </p:cSld>
-  <p:clrMapOvr>
-    <a:masterClrMapping/>
-  </p:clrMapOvr>
 </p:sld>
 </file>
 
@@ -8581,10 +9163,11 @@
           <a:bodyPr/>
           <a:lstStyle/>
           <a:p>
-            <a:pPr marL="0" lvl="0" indent="0">
+            <a:pPr lvl="0" marL="0" indent="0">
               <a:buNone/>
             </a:pPr>
             <a:r>
+              <a:rPr/>
               <a:t>Outline</a:t>
             </a:r>
           </a:p>
@@ -8617,18 +9200,21 @@
               <a:t>Concept</a:t>
             </a:r>
             <a:r>
+              <a:rPr/>
               <a:t> + practice = expert</a:t>
             </a:r>
           </a:p>
           <a:p>
             <a:pPr lvl="1"/>
             <a:r>
+              <a:rPr/>
               <a:t>Conditional statements</a:t>
             </a:r>
           </a:p>
           <a:p>
             <a:pPr lvl="1"/>
             <a:r>
+              <a:rPr/>
               <a:t>Looping fundamentals</a:t>
             </a:r>
           </a:p>
@@ -8636,9 +9222,6 @@
       </p:sp>
     </p:spTree>
   </p:cSld>
-  <p:clrMapOvr>
-    <a:masterClrMapping/>
-  </p:clrMapOvr>
 </p:sld>
 </file>
 
@@ -8680,11 +9263,20 @@
           <a:bodyPr/>
           <a:lstStyle/>
           <a:p>
-            <a:pPr marL="0" lvl="0" indent="0">
+            <a:pPr lvl="0" marL="0" indent="0">
               <a:buNone/>
             </a:pPr>
             <a:r>
-              <a:t>Practice 3</a:t>
+              <a:rPr/>
+              <a:t>Practice</a:t>
+            </a:r>
+            <a:r>
+              <a:rPr/>
+              <a:t> </a:t>
+            </a:r>
+            <a:r>
+              <a:rPr/>
+              <a:t>3</a:t>
             </a:r>
           </a:p>
         </p:txBody>
@@ -8712,6 +9304,7 @@
           <a:p>
             <a:pPr lvl="1"/>
             <a:r>
+              <a:rPr/>
               <a:t>Question: How do we calculate the mean of every numeric variable in </a:t>
             </a:r>
             <a:r>
@@ -8721,18 +9314,21 @@
               <a:t>chicc</a:t>
             </a:r>
             <a:r>
+              <a:rPr/>
               <a:t> and print it out?</a:t>
             </a:r>
           </a:p>
           <a:p>
             <a:pPr lvl="1"/>
             <a:r>
+              <a:rPr/>
               <a:t>How would we do this manually?</a:t>
             </a:r>
           </a:p>
           <a:p>
             <a:pPr lvl="1"/>
             <a:r>
+              <a:rPr/>
               <a:t>Hint: to check whether something is a numeric variable use </a:t>
             </a:r>
             <a:r>
@@ -8746,9 +9342,6 @@
       </p:sp>
     </p:spTree>
   </p:cSld>
-  <p:clrMapOvr>
-    <a:masterClrMapping/>
-  </p:clrMapOvr>
 </p:sld>
 </file>
 
@@ -8790,11 +9383,28 @@
           <a:bodyPr/>
           <a:lstStyle/>
           <a:p>
-            <a:pPr marL="0" lvl="0" indent="0">
+            <a:pPr lvl="0" marL="0" indent="0">
               <a:buNone/>
             </a:pPr>
             <a:r>
-              <a:t>Answer - manual</a:t>
+              <a:rPr/>
+              <a:t>Answer</a:t>
+            </a:r>
+            <a:r>
+              <a:rPr/>
+              <a:t> </a:t>
+            </a:r>
+            <a:r>
+              <a:rPr/>
+              <a:t>-</a:t>
+            </a:r>
+            <a:r>
+              <a:rPr/>
+              <a:t> </a:t>
+            </a:r>
+            <a:r>
+              <a:rPr/>
+              <a:t>manual</a:t>
             </a:r>
           </a:p>
         </p:txBody>
@@ -8820,7 +9430,7 @@
           <a:bodyPr/>
           <a:lstStyle/>
           <a:p>
-            <a:pPr marL="1270000" lvl="0" indent="0">
+            <a:pPr lvl="0" marL="1270000" indent="0">
               <a:buNone/>
             </a:pPr>
             <a:r>
@@ -8870,7 +9480,7 @@
             </a:r>
           </a:p>
           <a:p>
-            <a:pPr marL="1270000" lvl="0" indent="0">
+            <a:pPr lvl="0" marL="1270000" indent="0">
               <a:buNone/>
             </a:pPr>
             <a:r>
@@ -8881,7 +9491,7 @@
             </a:r>
           </a:p>
           <a:p>
-            <a:pPr marL="1270000" lvl="0" indent="0">
+            <a:pPr lvl="0" marL="1270000" indent="0">
               <a:buNone/>
             </a:pPr>
             <a:r>
@@ -8931,7 +9541,7 @@
             </a:r>
           </a:p>
           <a:p>
-            <a:pPr marL="1270000" lvl="0" indent="0">
+            <a:pPr lvl="0" marL="1270000" indent="0">
               <a:buNone/>
             </a:pPr>
             <a:r>
@@ -8942,7 +9552,7 @@
             </a:r>
           </a:p>
           <a:p>
-            <a:pPr marL="1270000" lvl="0" indent="0">
+            <a:pPr lvl="0" marL="1270000" indent="0">
               <a:buNone/>
             </a:pPr>
             <a:r>
@@ -8992,7 +9602,7 @@
             </a:r>
           </a:p>
           <a:p>
-            <a:pPr marL="1270000" lvl="0" indent="0">
+            <a:pPr lvl="0" marL="1270000" indent="0">
               <a:buNone/>
             </a:pPr>
             <a:r>
@@ -9003,7 +9613,7 @@
             </a:r>
           </a:p>
           <a:p>
-            <a:pPr marL="1270000" lvl="0" indent="0">
+            <a:pPr lvl="0" marL="1270000" indent="0">
               <a:buNone/>
             </a:pPr>
             <a:r>
@@ -9053,7 +9663,7 @@
             </a:r>
           </a:p>
           <a:p>
-            <a:pPr marL="1270000" lvl="0" indent="0">
+            <a:pPr lvl="0" marL="1270000" indent="0">
               <a:buNone/>
             </a:pPr>
             <a:r>
@@ -9064,7 +9674,7 @@
             </a:r>
           </a:p>
           <a:p>
-            <a:pPr marL="1270000" lvl="0" indent="0">
+            <a:pPr lvl="0" marL="1270000" indent="0">
               <a:buNone/>
             </a:pPr>
             <a:r>
@@ -9114,7 +9724,7 @@
             </a:r>
           </a:p>
           <a:p>
-            <a:pPr marL="1270000" lvl="0" indent="0">
+            <a:pPr lvl="0" marL="1270000" indent="0">
               <a:buNone/>
             </a:pPr>
             <a:r>
@@ -9125,7 +9735,7 @@
             </a:r>
           </a:p>
           <a:p>
-            <a:pPr marL="1270000" lvl="0" indent="0">
+            <a:pPr lvl="0" marL="1270000" indent="0">
               <a:buNone/>
             </a:pPr>
             <a:r>
@@ -9142,9 +9752,6 @@
       </p:sp>
     </p:spTree>
   </p:cSld>
-  <p:clrMapOvr>
-    <a:masterClrMapping/>
-  </p:clrMapOvr>
 </p:sld>
 </file>
 
@@ -9186,11 +9793,28 @@
           <a:bodyPr/>
           <a:lstStyle/>
           <a:p>
-            <a:pPr marL="0" lvl="0" indent="0">
+            <a:pPr lvl="0" marL="0" indent="0">
               <a:buNone/>
             </a:pPr>
             <a:r>
-              <a:t>Answer - loop</a:t>
+              <a:rPr/>
+              <a:t>Answer</a:t>
+            </a:r>
+            <a:r>
+              <a:rPr/>
+              <a:t> </a:t>
+            </a:r>
+            <a:r>
+              <a:rPr/>
+              <a:t>-</a:t>
+            </a:r>
+            <a:r>
+              <a:rPr/>
+              <a:t> </a:t>
+            </a:r>
+            <a:r>
+              <a:rPr/>
+              <a:t>loop</a:t>
             </a:r>
           </a:p>
         </p:txBody>
@@ -9216,7 +9840,7 @@
           <a:bodyPr/>
           <a:lstStyle/>
           <a:p>
-            <a:pPr marL="1270000" lvl="0" indent="0">
+            <a:pPr lvl="0" marL="1270000" indent="0">
               <a:buNone/>
             </a:pPr>
             <a:r>
@@ -9447,9 +10071,6 @@
       </p:sp>
     </p:spTree>
   </p:cSld>
-  <p:clrMapOvr>
-    <a:masterClrMapping/>
-  </p:clrMapOvr>
 </p:sld>
 </file>
 
@@ -9491,11 +10112,20 @@
           <a:bodyPr/>
           <a:lstStyle/>
           <a:p>
-            <a:pPr marL="0" lvl="0" indent="0">
+            <a:pPr lvl="0" marL="0" indent="0">
               <a:buNone/>
             </a:pPr>
             <a:r>
-              <a:t>Go loopy!</a:t>
+              <a:rPr/>
+              <a:t>Go</a:t>
+            </a:r>
+            <a:r>
+              <a:rPr/>
+              <a:t> </a:t>
+            </a:r>
+            <a:r>
+              <a:rPr/>
+              <a:t>loopy!</a:t>
             </a:r>
           </a:p>
         </p:txBody>
@@ -9523,12 +10153,14 @@
           <a:p>
             <a:pPr lvl="1"/>
             <a:r>
+              <a:rPr/>
               <a:t>Lots of practice, lot’s of errors!</a:t>
             </a:r>
           </a:p>
           <a:p>
             <a:pPr lvl="1"/>
             <a:r>
+              <a:rPr/>
               <a:t>But eventually, you’ll never look back</a:t>
             </a:r>
           </a:p>
@@ -9536,9 +10168,6 @@
       </p:sp>
     </p:spTree>
   </p:cSld>
-  <p:clrMapOvr>
-    <a:masterClrMapping/>
-  </p:clrMapOvr>
 </p:sld>
 </file>
 
@@ -9580,11 +10209,28 @@
           <a:bodyPr/>
           <a:lstStyle/>
           <a:p>
-            <a:pPr marL="0" lvl="0" indent="0">
+            <a:pPr lvl="0" marL="0" indent="0">
               <a:buNone/>
             </a:pPr>
             <a:r>
-              <a:t>You will learn</a:t>
+              <a:rPr/>
+              <a:t>You</a:t>
+            </a:r>
+            <a:r>
+              <a:rPr/>
+              <a:t> </a:t>
+            </a:r>
+            <a:r>
+              <a:rPr/>
+              <a:t>will</a:t>
+            </a:r>
+            <a:r>
+              <a:rPr/>
+              <a:t> </a:t>
+            </a:r>
+            <a:r>
+              <a:rPr/>
+              <a:t>learn</a:t>
             </a:r>
           </a:p>
         </p:txBody>
@@ -9612,24 +10258,28 @@
           <a:p>
             <a:pPr lvl="1"/>
             <a:r>
-              <a:t>When might I want to restrict use a conditional statement?</a:t>
+              <a:rPr/>
+              <a:t>When might I want to restrict using a conditional statement?</a:t>
             </a:r>
           </a:p>
           <a:p>
             <a:pPr lvl="1"/>
             <a:r>
+              <a:rPr/>
               <a:t>How do I write an if else statement?</a:t>
             </a:r>
           </a:p>
           <a:p>
             <a:pPr lvl="1"/>
             <a:r>
+              <a:rPr/>
               <a:t>What is the basic structure of a loop?</a:t>
             </a:r>
           </a:p>
           <a:p>
             <a:pPr lvl="1"/>
             <a:r>
+              <a:rPr/>
               <a:t>Why are loops important?</a:t>
             </a:r>
           </a:p>
@@ -9637,9 +10287,6 @@
       </p:sp>
     </p:spTree>
   </p:cSld>
-  <p:clrMapOvr>
-    <a:masterClrMapping/>
-  </p:clrMapOvr>
 </p:sld>
 </file>
 
@@ -9681,11 +10328,28 @@
           <a:bodyPr/>
           <a:lstStyle/>
           <a:p>
-            <a:pPr marL="0" lvl="0" indent="0">
+            <a:pPr lvl="0" marL="0" indent="0">
               <a:buNone/>
             </a:pPr>
             <a:r>
-              <a:t>Before we start</a:t>
+              <a:rPr/>
+              <a:t>Before</a:t>
+            </a:r>
+            <a:r>
+              <a:rPr/>
+              <a:t> </a:t>
+            </a:r>
+            <a:r>
+              <a:rPr/>
+              <a:t>we</a:t>
+            </a:r>
+            <a:r>
+              <a:rPr/>
+              <a:t> </a:t>
+            </a:r>
+            <a:r>
+              <a:rPr/>
+              <a:t>start</a:t>
             </a:r>
           </a:p>
         </p:txBody>
@@ -9713,6 +10377,7 @@
           <a:p>
             <a:pPr lvl="1"/>
             <a:r>
+              <a:rPr/>
               <a:t>Again, please make sure the </a:t>
             </a:r>
             <a:r>
@@ -9722,12 +10387,14 @@
               <a:t>cchic</a:t>
             </a:r>
             <a:r>
+              <a:rPr/>
               <a:t> dataframe is loaded into your R environment</a:t>
             </a:r>
           </a:p>
           <a:p>
             <a:pPr lvl="1"/>
             <a:r>
+              <a:rPr/>
               <a:t>Please download Workshop7.R via </a:t>
             </a:r>
             <a:r>
@@ -9740,6 +10407,7 @@
           <a:p>
             <a:pPr lvl="1"/>
             <a:r>
+              <a:rPr/>
               <a:t>Question: How do we calculate the mean of every numeric variable in </a:t>
             </a:r>
             <a:r>
@@ -9749,6 +10417,7 @@
               <a:t>chicc</a:t>
             </a:r>
             <a:r>
+              <a:rPr/>
               <a:t> and print it out?</a:t>
             </a:r>
           </a:p>
@@ -9756,9 +10425,6 @@
       </p:sp>
     </p:spTree>
   </p:cSld>
-  <p:clrMapOvr>
-    <a:masterClrMapping/>
-  </p:clrMapOvr>
 </p:sld>
 </file>
 
@@ -9800,11 +10466,28 @@
           <a:bodyPr/>
           <a:lstStyle/>
           <a:p>
-            <a:pPr marL="0" lvl="0" indent="0">
+            <a:pPr lvl="0" marL="0" indent="0">
               <a:buNone/>
             </a:pPr>
             <a:r>
-              <a:t>Control flow inituition</a:t>
+              <a:rPr/>
+              <a:t>Control</a:t>
+            </a:r>
+            <a:r>
+              <a:rPr/>
+              <a:t> </a:t>
+            </a:r>
+            <a:r>
+              <a:rPr/>
+              <a:t>flow</a:t>
+            </a:r>
+            <a:r>
+              <a:rPr/>
+              <a:t> </a:t>
+            </a:r>
+            <a:r>
+              <a:rPr/>
+              <a:t>inituition</a:t>
             </a:r>
           </a:p>
         </p:txBody>
@@ -9832,18 +10515,21 @@
           <a:p>
             <a:pPr lvl="1"/>
             <a:r>
+              <a:rPr/>
               <a:t>In the case of a particular event, do action x</a:t>
             </a:r>
           </a:p>
           <a:p>
             <a:pPr lvl="1"/>
             <a:r>
+              <a:rPr/>
               <a:t>Permits flexibility</a:t>
             </a:r>
           </a:p>
           <a:p>
             <a:pPr lvl="1"/>
             <a:r>
+              <a:rPr/>
               <a:t>No one size fits all algorithms</a:t>
             </a:r>
           </a:p>
@@ -9851,9 +10537,6 @@
       </p:sp>
     </p:spTree>
   </p:cSld>
-  <p:clrMapOvr>
-    <a:masterClrMapping/>
-  </p:clrMapOvr>
 </p:sld>
 </file>
 
@@ -9895,11 +10578,28 @@
           <a:bodyPr/>
           <a:lstStyle/>
           <a:p>
-            <a:pPr marL="0" lvl="0" indent="0">
+            <a:pPr lvl="0" marL="0" indent="0">
               <a:buNone/>
             </a:pPr>
             <a:r>
-              <a:t>Control flow syntax</a:t>
+              <a:rPr/>
+              <a:t>Control</a:t>
+            </a:r>
+            <a:r>
+              <a:rPr/>
+              <a:t> </a:t>
+            </a:r>
+            <a:r>
+              <a:rPr/>
+              <a:t>flow</a:t>
+            </a:r>
+            <a:r>
+              <a:rPr/>
+              <a:t> </a:t>
+            </a:r>
+            <a:r>
+              <a:rPr/>
+              <a:t>syntax</a:t>
             </a:r>
           </a:p>
         </p:txBody>
@@ -9927,6 +10627,7 @@
           <a:p>
             <a:pPr lvl="1"/>
             <a:r>
+              <a:rPr/>
               <a:t>Control flow is an </a:t>
             </a:r>
             <a:r>
@@ -9936,12 +10637,14 @@
               <a:t>if</a:t>
             </a:r>
             <a:r>
+              <a:rPr/>
               <a:t> statement in R</a:t>
             </a:r>
           </a:p>
           <a:p>
             <a:pPr lvl="1"/>
             <a:r>
+              <a:rPr/>
               <a:t>There are 3 parts to an </a:t>
             </a:r>
             <a:r>
@@ -9951,6 +10654,7 @@
               <a:t>if</a:t>
             </a:r>
             <a:r>
+              <a:rPr/>
               <a:t> statement:</a:t>
             </a:r>
           </a:p>
@@ -9959,6 +10663,7 @@
               <a:buAutoNum type="arabicPeriod"/>
             </a:pPr>
             <a:r>
+              <a:rPr/>
               <a:t>Test - Does it meet criteria?</a:t>
             </a:r>
           </a:p>
@@ -9967,6 +10672,7 @@
               <a:buAutoNum type="arabicPeriod"/>
             </a:pPr>
             <a:r>
+              <a:rPr/>
               <a:t>Action - If yes, what should the algorithm do?</a:t>
             </a:r>
           </a:p>
@@ -9975,6 +10681,7 @@
               <a:buAutoNum type="arabicPeriod"/>
             </a:pPr>
             <a:r>
+              <a:rPr/>
               <a:t>Else - And if not?</a:t>
             </a:r>
           </a:p>
@@ -9982,9 +10689,6 @@
       </p:sp>
     </p:spTree>
   </p:cSld>
-  <p:clrMapOvr>
-    <a:masterClrMapping/>
-  </p:clrMapOvr>
 </p:sld>
 </file>
 
@@ -10026,11 +10730,20 @@
           <a:bodyPr/>
           <a:lstStyle/>
           <a:p>
-            <a:pPr marL="0" lvl="0" indent="0">
+            <a:pPr lvl="0" marL="0" indent="0">
               <a:buNone/>
             </a:pPr>
             <a:r>
-              <a:t>Example 1</a:t>
+              <a:rPr/>
+              <a:t>Example</a:t>
+            </a:r>
+            <a:r>
+              <a:rPr/>
+              <a:t> </a:t>
+            </a:r>
+            <a:r>
+              <a:rPr/>
+              <a:t>1</a:t>
             </a:r>
           </a:p>
         </p:txBody>
@@ -10056,7 +10769,7 @@
           <a:bodyPr/>
           <a:lstStyle/>
           <a:p>
-            <a:pPr marL="1270000" lvl="0" indent="0">
+            <a:pPr lvl="0" marL="1270000" indent="0">
               <a:buNone/>
             </a:pPr>
             <a:r>
@@ -10193,7 +10906,7 @@
             </a:r>
           </a:p>
           <a:p>
-            <a:pPr marL="1270000" lvl="0" indent="0">
+            <a:pPr lvl="0" marL="1270000" indent="0">
               <a:buNone/>
             </a:pPr>
             <a:r>
@@ -10207,9 +10920,6 @@
       </p:sp>
     </p:spTree>
   </p:cSld>
-  <p:clrMapOvr>
-    <a:masterClrMapping/>
-  </p:clrMapOvr>
 </p:sld>
 </file>
 
@@ -10251,11 +10961,36 @@
           <a:bodyPr/>
           <a:lstStyle/>
           <a:p>
-            <a:pPr marL="0" lvl="0" indent="0">
+            <a:pPr lvl="0" marL="0" indent="0">
               <a:buNone/>
             </a:pPr>
             <a:r>
-              <a:t>Types of conditional tests</a:t>
+              <a:rPr/>
+              <a:t>Types</a:t>
+            </a:r>
+            <a:r>
+              <a:rPr/>
+              <a:t> </a:t>
+            </a:r>
+            <a:r>
+              <a:rPr/>
+              <a:t>of</a:t>
+            </a:r>
+            <a:r>
+              <a:rPr/>
+              <a:t> </a:t>
+            </a:r>
+            <a:r>
+              <a:rPr/>
+              <a:t>conditional</a:t>
+            </a:r>
+            <a:r>
+              <a:rPr/>
+              <a:t> </a:t>
+            </a:r>
+            <a:r>
+              <a:rPr/>
+              <a:t>tests</a:t>
             </a:r>
           </a:p>
         </p:txBody>
@@ -10283,6 +11018,7 @@
           <a:p>
             <a:pPr lvl="1"/>
             <a:r>
+              <a:rPr/>
               <a:t>Different syntax for different test:</a:t>
             </a:r>
           </a:p>
@@ -10295,6 +11031,7 @@
               <a:t>x == y</a:t>
             </a:r>
             <a:r>
+              <a:rPr/>
               <a:t> - is x equal to y</a:t>
             </a:r>
           </a:p>
@@ -10307,6 +11044,7 @@
               <a:t>x != y</a:t>
             </a:r>
             <a:r>
+              <a:rPr/>
               <a:t> - is x NOT equal to y</a:t>
             </a:r>
           </a:p>
@@ -10319,6 +11057,7 @@
               <a:t>x &lt; y</a:t>
             </a:r>
             <a:r>
+              <a:rPr/>
               <a:t> - is x less than y</a:t>
             </a:r>
           </a:p>
@@ -10331,6 +11070,7 @@
               <a:t>x &lt;= y</a:t>
             </a:r>
             <a:r>
+              <a:rPr/>
               <a:t> - is x less than or equal to y</a:t>
             </a:r>
           </a:p>
@@ -10343,6 +11083,7 @@
               <a:t>x &gt; y</a:t>
             </a:r>
             <a:r>
+              <a:rPr/>
               <a:t> - is x greater than y</a:t>
             </a:r>
           </a:p>
@@ -10355,6 +11096,7 @@
               <a:t>x &gt;= y</a:t>
             </a:r>
             <a:r>
+              <a:rPr/>
               <a:t> - is x greater than or equal to y</a:t>
             </a:r>
           </a:p>
@@ -10362,9 +11104,6 @@
       </p:sp>
     </p:spTree>
   </p:cSld>
-  <p:clrMapOvr>
-    <a:masterClrMapping/>
-  </p:clrMapOvr>
 </p:sld>
 </file>
 
